--- a/Phase 3/Step 11 - Creating Express JS Application.pptx
+++ b/Phase 3/Step 11 - Creating Express JS Application.pptx
@@ -8,28 +8,28 @@
     <p:sldId id="256" r:id="rId2"/>
     <p:sldId id="278" r:id="rId3"/>
     <p:sldId id="279" r:id="rId4"/>
-    <p:sldId id="280" r:id="rId5"/>
-    <p:sldId id="281" r:id="rId6"/>
-    <p:sldId id="282" r:id="rId7"/>
-    <p:sldId id="283" r:id="rId8"/>
-    <p:sldId id="284" r:id="rId9"/>
-    <p:sldId id="285" r:id="rId10"/>
-    <p:sldId id="286" r:id="rId11"/>
-    <p:sldId id="287" r:id="rId12"/>
-    <p:sldId id="288" r:id="rId13"/>
-    <p:sldId id="289" r:id="rId14"/>
-    <p:sldId id="290" r:id="rId15"/>
-    <p:sldId id="291" r:id="rId16"/>
-    <p:sldId id="292" r:id="rId17"/>
-    <p:sldId id="293" r:id="rId18"/>
-    <p:sldId id="294" r:id="rId19"/>
-    <p:sldId id="295" r:id="rId20"/>
-    <p:sldId id="296" r:id="rId21"/>
-    <p:sldId id="297" r:id="rId22"/>
-    <p:sldId id="298" r:id="rId23"/>
-    <p:sldId id="299" r:id="rId24"/>
-    <p:sldId id="300" r:id="rId25"/>
-    <p:sldId id="301" r:id="rId26"/>
+    <p:sldId id="302" r:id="rId5"/>
+    <p:sldId id="303" r:id="rId6"/>
+    <p:sldId id="304" r:id="rId7"/>
+    <p:sldId id="305" r:id="rId8"/>
+    <p:sldId id="306" r:id="rId9"/>
+    <p:sldId id="307" r:id="rId10"/>
+    <p:sldId id="308" r:id="rId11"/>
+    <p:sldId id="309" r:id="rId12"/>
+    <p:sldId id="310" r:id="rId13"/>
+    <p:sldId id="311" r:id="rId14"/>
+    <p:sldId id="312" r:id="rId15"/>
+    <p:sldId id="313" r:id="rId16"/>
+    <p:sldId id="314" r:id="rId17"/>
+    <p:sldId id="315" r:id="rId18"/>
+    <p:sldId id="316" r:id="rId19"/>
+    <p:sldId id="317" r:id="rId20"/>
+    <p:sldId id="318" r:id="rId21"/>
+    <p:sldId id="319" r:id="rId22"/>
+    <p:sldId id="320" r:id="rId23"/>
+    <p:sldId id="321" r:id="rId24"/>
+    <p:sldId id="322" r:id="rId25"/>
+    <p:sldId id="323" r:id="rId26"/>
   </p:sldIdLst>
   <p:sldSz cx="12192000" cy="6858000"/>
   <p:notesSz cx="6858000" cy="9144000"/>
@@ -267,7 +267,7 @@
           <a:p>
             <a:fld id="{42386099-759E-47AF-B5BA-C91AC6CEC5A3}" type="datetimeFigureOut">
               <a:rPr lang="en-US" smtClean="0"/>
-              <a:t>1/6/2023</a:t>
+              <a:t>3/16/2023</a:t>
             </a:fld>
             <a:endParaRPr lang="en-US"/>
           </a:p>
@@ -437,7 +437,7 @@
           <a:p>
             <a:fld id="{42386099-759E-47AF-B5BA-C91AC6CEC5A3}" type="datetimeFigureOut">
               <a:rPr lang="en-US" smtClean="0"/>
-              <a:t>1/6/2023</a:t>
+              <a:t>3/16/2023</a:t>
             </a:fld>
             <a:endParaRPr lang="en-US"/>
           </a:p>
@@ -617,7 +617,7 @@
           <a:p>
             <a:fld id="{42386099-759E-47AF-B5BA-C91AC6CEC5A3}" type="datetimeFigureOut">
               <a:rPr lang="en-US" smtClean="0"/>
-              <a:t>1/6/2023</a:t>
+              <a:t>3/16/2023</a:t>
             </a:fld>
             <a:endParaRPr lang="en-US"/>
           </a:p>
@@ -787,7 +787,7 @@
           <a:p>
             <a:fld id="{42386099-759E-47AF-B5BA-C91AC6CEC5A3}" type="datetimeFigureOut">
               <a:rPr lang="en-US" smtClean="0"/>
-              <a:t>1/6/2023</a:t>
+              <a:t>3/16/2023</a:t>
             </a:fld>
             <a:endParaRPr lang="en-US"/>
           </a:p>
@@ -1033,7 +1033,7 @@
           <a:p>
             <a:fld id="{42386099-759E-47AF-B5BA-C91AC6CEC5A3}" type="datetimeFigureOut">
               <a:rPr lang="en-US" smtClean="0"/>
-              <a:t>1/6/2023</a:t>
+              <a:t>3/16/2023</a:t>
             </a:fld>
             <a:endParaRPr lang="en-US"/>
           </a:p>
@@ -1265,7 +1265,7 @@
           <a:p>
             <a:fld id="{42386099-759E-47AF-B5BA-C91AC6CEC5A3}" type="datetimeFigureOut">
               <a:rPr lang="en-US" smtClean="0"/>
-              <a:t>1/6/2023</a:t>
+              <a:t>3/16/2023</a:t>
             </a:fld>
             <a:endParaRPr lang="en-US"/>
           </a:p>
@@ -1632,7 +1632,7 @@
           <a:p>
             <a:fld id="{42386099-759E-47AF-B5BA-C91AC6CEC5A3}" type="datetimeFigureOut">
               <a:rPr lang="en-US" smtClean="0"/>
-              <a:t>1/6/2023</a:t>
+              <a:t>3/16/2023</a:t>
             </a:fld>
             <a:endParaRPr lang="en-US"/>
           </a:p>
@@ -1750,7 +1750,7 @@
           <a:p>
             <a:fld id="{42386099-759E-47AF-B5BA-C91AC6CEC5A3}" type="datetimeFigureOut">
               <a:rPr lang="en-US" smtClean="0"/>
-              <a:t>1/6/2023</a:t>
+              <a:t>3/16/2023</a:t>
             </a:fld>
             <a:endParaRPr lang="en-US"/>
           </a:p>
@@ -1845,7 +1845,7 @@
           <a:p>
             <a:fld id="{42386099-759E-47AF-B5BA-C91AC6CEC5A3}" type="datetimeFigureOut">
               <a:rPr lang="en-US" smtClean="0"/>
-              <a:t>1/6/2023</a:t>
+              <a:t>3/16/2023</a:t>
             </a:fld>
             <a:endParaRPr lang="en-US"/>
           </a:p>
@@ -2122,7 +2122,7 @@
           <a:p>
             <a:fld id="{42386099-759E-47AF-B5BA-C91AC6CEC5A3}" type="datetimeFigureOut">
               <a:rPr lang="en-US" smtClean="0"/>
-              <a:t>1/6/2023</a:t>
+              <a:t>3/16/2023</a:t>
             </a:fld>
             <a:endParaRPr lang="en-US"/>
           </a:p>
@@ -2375,7 +2375,7 @@
           <a:p>
             <a:fld id="{42386099-759E-47AF-B5BA-C91AC6CEC5A3}" type="datetimeFigureOut">
               <a:rPr lang="en-US" smtClean="0"/>
-              <a:t>1/6/2023</a:t>
+              <a:t>3/16/2023</a:t>
             </a:fld>
             <a:endParaRPr lang="en-US"/>
           </a:p>
@@ -2588,7 +2588,7 @@
           <a:p>
             <a:fld id="{42386099-759E-47AF-B5BA-C91AC6CEC5A3}" type="datetimeFigureOut">
               <a:rPr lang="en-US" smtClean="0"/>
-              <a:t>1/6/2023</a:t>
+              <a:t>3/16/2023</a:t>
             </a:fld>
             <a:endParaRPr lang="en-US"/>
           </a:p>
@@ -3010,7 +3010,11 @@
           <a:p>
             <a:r>
               <a:rPr lang="en-US" dirty="0" smtClean="0"/>
-              <a:t>Testing using Jasmine and Karma – Step 10</a:t>
+              <a:t>Creating Express JS Application – </a:t>
+            </a:r>
+            <a:r>
+              <a:rPr lang="en-US" dirty="0" smtClean="0"/>
+              <a:t>Step 10</a:t>
             </a:r>
             <a:endParaRPr lang="en-US" dirty="0"/>
           </a:p>
@@ -3082,7 +3086,15 @@
           <a:p>
             <a:r>
               <a:rPr lang="en-US" dirty="0" smtClean="0"/>
-              <a:t>Now include both pages in SpecRunner.html page </a:t>
+              <a:t>Then create two html pages </a:t>
+            </a:r>
+            <a:r>
+              <a:rPr lang="en-US" dirty="0" err="1" smtClean="0"/>
+              <a:t>ie</a:t>
+            </a:r>
+            <a:r>
+              <a:rPr lang="en-US" dirty="0" smtClean="0"/>
+              <a:t> index.html and login.html </a:t>
             </a:r>
             <a:endParaRPr lang="en-US" dirty="0"/>
           </a:p>
@@ -3106,8 +3118,8 @@
         </p:blipFill>
         <p:spPr>
           <a:xfrm>
-            <a:off x="2219836" y="1825625"/>
-            <a:ext cx="7752327" cy="4351338"/>
+            <a:off x="2445911" y="1825625"/>
+            <a:ext cx="7300178" cy="4351338"/>
           </a:xfrm>
           <a:prstGeom prst="rect">
             <a:avLst/>
@@ -3117,7 +3129,7 @@
     </p:spTree>
     <p:extLst>
       <p:ext uri="{BB962C8B-B14F-4D97-AF65-F5344CB8AC3E}">
-        <p14:creationId xmlns:p14="http://schemas.microsoft.com/office/powerpoint/2010/main" val="3945910932"/>
+        <p14:creationId xmlns:p14="http://schemas.microsoft.com/office/powerpoint/2010/main" val="3295408890"/>
       </p:ext>
     </p:extLst>
   </p:cSld>
@@ -3128,364 +3140,6 @@
 </file>
 
 <file path=ppt/slides/slide11.xml><?xml version="1.0" encoding="utf-8"?>
-<p:sld xmlns:a="http://schemas.openxmlformats.org/drawingml/2006/main" xmlns:r="http://schemas.openxmlformats.org/officeDocument/2006/relationships" xmlns:p="http://schemas.openxmlformats.org/presentationml/2006/main">
-  <p:cSld>
-    <p:spTree>
-      <p:nvGrpSpPr>
-        <p:cNvPr id="1" name=""/>
-        <p:cNvGrpSpPr/>
-        <p:nvPr/>
-      </p:nvGrpSpPr>
-      <p:grpSpPr>
-        <a:xfrm>
-          <a:off x="0" y="0"/>
-          <a:ext cx="0" cy="0"/>
-          <a:chOff x="0" y="0"/>
-          <a:chExt cx="0" cy="0"/>
-        </a:xfrm>
-      </p:grpSpPr>
-      <p:sp>
-        <p:nvSpPr>
-          <p:cNvPr id="2" name="Title 1"/>
-          <p:cNvSpPr>
-            <a:spLocks noGrp="1"/>
-          </p:cNvSpPr>
-          <p:nvPr>
-            <p:ph type="title"/>
-          </p:nvPr>
-        </p:nvSpPr>
-        <p:spPr/>
-        <p:txBody>
-          <a:bodyPr/>
-          <a:lstStyle/>
-          <a:p>
-            <a:r>
-              <a:rPr lang="en-US" dirty="0" smtClean="0"/>
-              <a:t>Running SpecRunner.html page </a:t>
-            </a:r>
-            <a:endParaRPr lang="en-US" dirty="0"/>
-          </a:p>
-        </p:txBody>
-      </p:sp>
-      <p:pic>
-        <p:nvPicPr>
-          <p:cNvPr id="4" name="Content Placeholder 3"/>
-          <p:cNvPicPr>
-            <a:picLocks noGrp="1" noChangeAspect="1"/>
-          </p:cNvPicPr>
-          <p:nvPr>
-            <p:ph idx="1"/>
-          </p:nvPr>
-        </p:nvPicPr>
-        <p:blipFill>
-          <a:blip r:embed="rId2"/>
-          <a:stretch>
-            <a:fillRect/>
-          </a:stretch>
-        </p:blipFill>
-        <p:spPr>
-          <a:xfrm>
-            <a:off x="1283553" y="2050405"/>
-            <a:ext cx="9624894" cy="3901778"/>
-          </a:xfrm>
-          <a:prstGeom prst="rect">
-            <a:avLst/>
-          </a:prstGeom>
-        </p:spPr>
-      </p:pic>
-    </p:spTree>
-    <p:extLst>
-      <p:ext uri="{BB962C8B-B14F-4D97-AF65-F5344CB8AC3E}">
-        <p14:creationId xmlns:p14="http://schemas.microsoft.com/office/powerpoint/2010/main" val="2065898554"/>
-      </p:ext>
-    </p:extLst>
-  </p:cSld>
-  <p:clrMapOvr>
-    <a:masterClrMapping/>
-  </p:clrMapOvr>
-</p:sld>
-</file>
-
-<file path=ppt/slides/slide12.xml><?xml version="1.0" encoding="utf-8"?>
-<p:sld xmlns:a="http://schemas.openxmlformats.org/drawingml/2006/main" xmlns:r="http://schemas.openxmlformats.org/officeDocument/2006/relationships" xmlns:p="http://schemas.openxmlformats.org/presentationml/2006/main">
-  <p:cSld>
-    <p:spTree>
-      <p:nvGrpSpPr>
-        <p:cNvPr id="1" name=""/>
-        <p:cNvGrpSpPr/>
-        <p:nvPr/>
-      </p:nvGrpSpPr>
-      <p:grpSpPr>
-        <a:xfrm>
-          <a:off x="0" y="0"/>
-          <a:ext cx="0" cy="0"/>
-          <a:chOff x="0" y="0"/>
-          <a:chExt cx="0" cy="0"/>
-        </a:xfrm>
-      </p:grpSpPr>
-      <p:sp>
-        <p:nvSpPr>
-          <p:cNvPr id="2" name="Title 1"/>
-          <p:cNvSpPr>
-            <a:spLocks noGrp="1"/>
-          </p:cNvSpPr>
-          <p:nvPr>
-            <p:ph type="title"/>
-          </p:nvPr>
-        </p:nvSpPr>
-        <p:spPr/>
-        <p:txBody>
-          <a:bodyPr/>
-          <a:lstStyle/>
-          <a:p>
-            <a:r>
-              <a:rPr lang="en-US" dirty="0" smtClean="0"/>
-              <a:t>Testing with angular framework </a:t>
-            </a:r>
-            <a:endParaRPr lang="en-US" dirty="0"/>
-          </a:p>
-        </p:txBody>
-      </p:sp>
-      <p:sp>
-        <p:nvSpPr>
-          <p:cNvPr id="3" name="Content Placeholder 2"/>
-          <p:cNvSpPr>
-            <a:spLocks noGrp="1"/>
-          </p:cNvSpPr>
-          <p:nvPr>
-            <p:ph idx="1"/>
-          </p:nvPr>
-        </p:nvSpPr>
-        <p:spPr/>
-        <p:txBody>
-          <a:bodyPr/>
-          <a:lstStyle/>
-          <a:p>
-            <a:r>
-              <a:rPr lang="en-US" dirty="0" smtClean="0"/>
-              <a:t>Angular internally use jasmine testing framework to test angular component, service, model classes. </a:t>
-            </a:r>
-          </a:p>
-          <a:p>
-            <a:r>
-              <a:rPr lang="en-US" dirty="0" smtClean="0"/>
-              <a:t>Angular provided all configuration details when we download all dependencies. </a:t>
-            </a:r>
-          </a:p>
-          <a:p>
-            <a:r>
-              <a:rPr lang="en-US" dirty="0" smtClean="0"/>
-              <a:t>Angular use karma test runner tool to check result. </a:t>
-            </a:r>
-          </a:p>
-          <a:p>
-            <a:r>
-              <a:rPr lang="en-US" dirty="0" smtClean="0"/>
-              <a:t>Angular provided testing utilities classes to check angular component, service and model etc. </a:t>
-            </a:r>
-            <a:endParaRPr lang="en-US" dirty="0"/>
-          </a:p>
-        </p:txBody>
-      </p:sp>
-    </p:spTree>
-    <p:extLst>
-      <p:ext uri="{BB962C8B-B14F-4D97-AF65-F5344CB8AC3E}">
-        <p14:creationId xmlns:p14="http://schemas.microsoft.com/office/powerpoint/2010/main" val="4242687449"/>
-      </p:ext>
-    </p:extLst>
-  </p:cSld>
-  <p:clrMapOvr>
-    <a:masterClrMapping/>
-  </p:clrMapOvr>
-</p:sld>
-</file>
-
-<file path=ppt/slides/slide13.xml><?xml version="1.0" encoding="utf-8"?>
-<p:sld xmlns:a="http://schemas.openxmlformats.org/drawingml/2006/main" xmlns:r="http://schemas.openxmlformats.org/officeDocument/2006/relationships" xmlns:p="http://schemas.openxmlformats.org/presentationml/2006/main">
-  <p:cSld>
-    <p:spTree>
-      <p:nvGrpSpPr>
-        <p:cNvPr id="1" name=""/>
-        <p:cNvGrpSpPr/>
-        <p:nvPr/>
-      </p:nvGrpSpPr>
-      <p:grpSpPr>
-        <a:xfrm>
-          <a:off x="0" y="0"/>
-          <a:ext cx="0" cy="0"/>
-          <a:chOff x="0" y="0"/>
-          <a:chExt cx="0" cy="0"/>
-        </a:xfrm>
-      </p:grpSpPr>
-      <p:sp>
-        <p:nvSpPr>
-          <p:cNvPr id="2" name="Title 1"/>
-          <p:cNvSpPr>
-            <a:spLocks noGrp="1"/>
-          </p:cNvSpPr>
-          <p:nvPr>
-            <p:ph type="title"/>
-          </p:nvPr>
-        </p:nvSpPr>
-        <p:spPr/>
-        <p:txBody>
-          <a:bodyPr/>
-          <a:lstStyle/>
-          <a:p>
-            <a:r>
-              <a:rPr lang="en-US" dirty="0" smtClean="0"/>
-              <a:t>Create the project as normal angular project</a:t>
-            </a:r>
-            <a:endParaRPr lang="en-US" dirty="0"/>
-          </a:p>
-        </p:txBody>
-      </p:sp>
-      <p:pic>
-        <p:nvPicPr>
-          <p:cNvPr id="4" name="Content Placeholder 3"/>
-          <p:cNvPicPr>
-            <a:picLocks noGrp="1" noChangeAspect="1"/>
-          </p:cNvPicPr>
-          <p:nvPr>
-            <p:ph idx="1"/>
-          </p:nvPr>
-        </p:nvPicPr>
-        <p:blipFill>
-          <a:blip r:embed="rId2"/>
-          <a:stretch>
-            <a:fillRect/>
-          </a:stretch>
-        </p:blipFill>
-        <p:spPr>
-          <a:xfrm>
-            <a:off x="1763418" y="1825625"/>
-            <a:ext cx="8665164" cy="4351338"/>
-          </a:xfrm>
-          <a:prstGeom prst="rect">
-            <a:avLst/>
-          </a:prstGeom>
-        </p:spPr>
-      </p:pic>
-    </p:spTree>
-    <p:extLst>
-      <p:ext uri="{BB962C8B-B14F-4D97-AF65-F5344CB8AC3E}">
-        <p14:creationId xmlns:p14="http://schemas.microsoft.com/office/powerpoint/2010/main" val="47660141"/>
-      </p:ext>
-    </p:extLst>
-  </p:cSld>
-  <p:clrMapOvr>
-    <a:masterClrMapping/>
-  </p:clrMapOvr>
-</p:sld>
-</file>
-
-<file path=ppt/slides/slide14.xml><?xml version="1.0" encoding="utf-8"?>
-<p:sld xmlns:a="http://schemas.openxmlformats.org/drawingml/2006/main" xmlns:r="http://schemas.openxmlformats.org/officeDocument/2006/relationships" xmlns:p="http://schemas.openxmlformats.org/presentationml/2006/main">
-  <p:cSld>
-    <p:spTree>
-      <p:nvGrpSpPr>
-        <p:cNvPr id="1" name=""/>
-        <p:cNvGrpSpPr/>
-        <p:nvPr/>
-      </p:nvGrpSpPr>
-      <p:grpSpPr>
-        <a:xfrm>
-          <a:off x="0" y="0"/>
-          <a:ext cx="0" cy="0"/>
-          <a:chOff x="0" y="0"/>
-          <a:chExt cx="0" cy="0"/>
-        </a:xfrm>
-      </p:grpSpPr>
-      <p:sp>
-        <p:nvSpPr>
-          <p:cNvPr id="2" name="Title 1"/>
-          <p:cNvSpPr>
-            <a:spLocks noGrp="1"/>
-          </p:cNvSpPr>
-          <p:nvPr>
-            <p:ph type="title"/>
-          </p:nvPr>
-        </p:nvSpPr>
-        <p:spPr/>
-        <p:txBody>
-          <a:bodyPr/>
-          <a:lstStyle/>
-          <a:p>
-            <a:r>
-              <a:rPr lang="en-US" dirty="0" smtClean="0"/>
-              <a:t>Sample testing file present in angular project </a:t>
-            </a:r>
-            <a:endParaRPr lang="en-US" dirty="0"/>
-          </a:p>
-        </p:txBody>
-      </p:sp>
-      <p:sp>
-        <p:nvSpPr>
-          <p:cNvPr id="3" name="Content Placeholder 2"/>
-          <p:cNvSpPr>
-            <a:spLocks noGrp="1"/>
-          </p:cNvSpPr>
-          <p:nvPr>
-            <p:ph idx="1"/>
-          </p:nvPr>
-        </p:nvSpPr>
-        <p:spPr/>
-        <p:txBody>
-          <a:bodyPr/>
-          <a:lstStyle/>
-          <a:p>
-            <a:r>
-              <a:rPr lang="en-US" dirty="0" err="1" smtClean="0"/>
-              <a:t>src</a:t>
-            </a:r>
-            <a:r>
-              <a:rPr lang="en-US" dirty="0" err="1" smtClean="0">
-                <a:sym typeface="Wingdings" panose="05000000000000000000" pitchFamily="2" charset="2"/>
-              </a:rPr>
-              <a:t>appapp.component.spec.ts</a:t>
-            </a:r>
-            <a:endParaRPr lang="en-US" dirty="0" smtClean="0">
-              <a:sym typeface="Wingdings" panose="05000000000000000000" pitchFamily="2" charset="2"/>
-            </a:endParaRPr>
-          </a:p>
-          <a:p>
-            <a:pPr marL="0" indent="0">
-              <a:buNone/>
-            </a:pPr>
-            <a:endParaRPr lang="en-US" dirty="0">
-              <a:sym typeface="Wingdings" panose="05000000000000000000" pitchFamily="2" charset="2"/>
-            </a:endParaRPr>
-          </a:p>
-          <a:p>
-            <a:pPr marL="0" indent="0">
-              <a:buNone/>
-            </a:pPr>
-            <a:r>
-              <a:rPr lang="en-US" dirty="0" smtClean="0">
-                <a:sym typeface="Wingdings" panose="05000000000000000000" pitchFamily="2" charset="2"/>
-              </a:rPr>
-              <a:t>	This file contains sample test case  </a:t>
-            </a:r>
-          </a:p>
-          <a:p>
-            <a:endParaRPr lang="en-US" dirty="0"/>
-          </a:p>
-        </p:txBody>
-      </p:sp>
-    </p:spTree>
-    <p:extLst>
-      <p:ext uri="{BB962C8B-B14F-4D97-AF65-F5344CB8AC3E}">
-        <p14:creationId xmlns:p14="http://schemas.microsoft.com/office/powerpoint/2010/main" val="452376842"/>
-      </p:ext>
-    </p:extLst>
-  </p:cSld>
-  <p:clrMapOvr>
-    <a:masterClrMapping/>
-  </p:clrMapOvr>
-</p:sld>
-</file>
-
-<file path=ppt/slides/slide15.xml><?xml version="1.0" encoding="utf-8"?>
 <p:sld xmlns:a="http://schemas.openxmlformats.org/drawingml/2006/main" xmlns:r="http://schemas.openxmlformats.org/officeDocument/2006/relationships" xmlns:p="http://schemas.openxmlformats.org/presentationml/2006/main">
   <p:cSld>
     <p:spTree>
@@ -3518,8 +3172,8 @@
         </p:blipFill>
         <p:spPr>
           <a:xfrm>
-            <a:off x="0" y="0"/>
-            <a:ext cx="12192000" cy="6940197"/>
+            <a:off x="2666703" y="18754"/>
+            <a:ext cx="6858594" cy="6820491"/>
           </a:xfrm>
           <a:prstGeom prst="rect">
             <a:avLst/>
@@ -3529,7 +3183,415 @@
     </p:spTree>
     <p:extLst>
       <p:ext uri="{BB962C8B-B14F-4D97-AF65-F5344CB8AC3E}">
-        <p14:creationId xmlns:p14="http://schemas.microsoft.com/office/powerpoint/2010/main" val="1352104801"/>
+        <p14:creationId xmlns:p14="http://schemas.microsoft.com/office/powerpoint/2010/main" val="817202078"/>
+      </p:ext>
+    </p:extLst>
+  </p:cSld>
+  <p:clrMapOvr>
+    <a:masterClrMapping/>
+  </p:clrMapOvr>
+</p:sld>
+</file>
+
+<file path=ppt/slides/slide12.xml><?xml version="1.0" encoding="utf-8"?>
+<p:sld xmlns:a="http://schemas.openxmlformats.org/drawingml/2006/main" xmlns:r="http://schemas.openxmlformats.org/officeDocument/2006/relationships" xmlns:p="http://schemas.openxmlformats.org/presentationml/2006/main">
+  <p:cSld>
+    <p:spTree>
+      <p:nvGrpSpPr>
+        <p:cNvPr id="1" name=""/>
+        <p:cNvGrpSpPr/>
+        <p:nvPr/>
+      </p:nvGrpSpPr>
+      <p:grpSpPr>
+        <a:xfrm>
+          <a:off x="0" y="0"/>
+          <a:ext cx="0" cy="0"/>
+          <a:chOff x="0" y="0"/>
+          <a:chExt cx="0" cy="0"/>
+        </a:xfrm>
+      </p:grpSpPr>
+      <p:pic>
+        <p:nvPicPr>
+          <p:cNvPr id="2" name="Picture 1"/>
+          <p:cNvPicPr>
+            <a:picLocks noChangeAspect="1"/>
+          </p:cNvPicPr>
+          <p:nvPr/>
+        </p:nvPicPr>
+        <p:blipFill>
+          <a:blip r:embed="rId2"/>
+          <a:stretch>
+            <a:fillRect/>
+          </a:stretch>
+        </p:blipFill>
+        <p:spPr>
+          <a:xfrm>
+            <a:off x="1101841" y="102361"/>
+            <a:ext cx="9304826" cy="1074513"/>
+          </a:xfrm>
+          <a:prstGeom prst="rect">
+            <a:avLst/>
+          </a:prstGeom>
+        </p:spPr>
+      </p:pic>
+      <p:pic>
+        <p:nvPicPr>
+          <p:cNvPr id="3" name="Picture 2"/>
+          <p:cNvPicPr>
+            <a:picLocks noChangeAspect="1"/>
+          </p:cNvPicPr>
+          <p:nvPr/>
+        </p:nvPicPr>
+        <p:blipFill>
+          <a:blip r:embed="rId3"/>
+          <a:stretch>
+            <a:fillRect/>
+          </a:stretch>
+        </p:blipFill>
+        <p:spPr>
+          <a:xfrm>
+            <a:off x="2297101" y="2152539"/>
+            <a:ext cx="7597798" cy="2552921"/>
+          </a:xfrm>
+          <a:prstGeom prst="rect">
+            <a:avLst/>
+          </a:prstGeom>
+        </p:spPr>
+      </p:pic>
+    </p:spTree>
+    <p:extLst>
+      <p:ext uri="{BB962C8B-B14F-4D97-AF65-F5344CB8AC3E}">
+        <p14:creationId xmlns:p14="http://schemas.microsoft.com/office/powerpoint/2010/main" val="2026878761"/>
+      </p:ext>
+    </p:extLst>
+  </p:cSld>
+  <p:clrMapOvr>
+    <a:masterClrMapping/>
+  </p:clrMapOvr>
+</p:sld>
+</file>
+
+<file path=ppt/slides/slide13.xml><?xml version="1.0" encoding="utf-8"?>
+<p:sld xmlns:a="http://schemas.openxmlformats.org/drawingml/2006/main" xmlns:r="http://schemas.openxmlformats.org/officeDocument/2006/relationships" xmlns:p="http://schemas.openxmlformats.org/presentationml/2006/main">
+  <p:cSld>
+    <p:spTree>
+      <p:nvGrpSpPr>
+        <p:cNvPr id="1" name=""/>
+        <p:cNvGrpSpPr/>
+        <p:nvPr/>
+      </p:nvGrpSpPr>
+      <p:grpSpPr>
+        <a:xfrm>
+          <a:off x="0" y="0"/>
+          <a:ext cx="0" cy="0"/>
+          <a:chOff x="0" y="0"/>
+          <a:chExt cx="0" cy="0"/>
+        </a:xfrm>
+      </p:grpSpPr>
+      <p:pic>
+        <p:nvPicPr>
+          <p:cNvPr id="2" name="Picture 1"/>
+          <p:cNvPicPr>
+            <a:picLocks noChangeAspect="1"/>
+          </p:cNvPicPr>
+          <p:nvPr/>
+        </p:nvPicPr>
+        <p:blipFill>
+          <a:blip r:embed="rId2"/>
+          <a:stretch>
+            <a:fillRect/>
+          </a:stretch>
+        </p:blipFill>
+        <p:spPr>
+          <a:xfrm>
+            <a:off x="538798" y="256459"/>
+            <a:ext cx="5997460" cy="1874682"/>
+          </a:xfrm>
+          <a:prstGeom prst="rect">
+            <a:avLst/>
+          </a:prstGeom>
+        </p:spPr>
+      </p:pic>
+      <p:pic>
+        <p:nvPicPr>
+          <p:cNvPr id="3" name="Picture 2"/>
+          <p:cNvPicPr>
+            <a:picLocks noChangeAspect="1"/>
+          </p:cNvPicPr>
+          <p:nvPr/>
+        </p:nvPicPr>
+        <p:blipFill>
+          <a:blip r:embed="rId3"/>
+          <a:stretch>
+            <a:fillRect/>
+          </a:stretch>
+        </p:blipFill>
+        <p:spPr>
+          <a:xfrm>
+            <a:off x="6628145" y="256459"/>
+            <a:ext cx="4976291" cy="2118544"/>
+          </a:xfrm>
+          <a:prstGeom prst="rect">
+            <a:avLst/>
+          </a:prstGeom>
+        </p:spPr>
+      </p:pic>
+      <p:pic>
+        <p:nvPicPr>
+          <p:cNvPr id="4" name="Picture 3"/>
+          <p:cNvPicPr>
+            <a:picLocks noChangeAspect="1"/>
+          </p:cNvPicPr>
+          <p:nvPr/>
+        </p:nvPicPr>
+        <p:blipFill>
+          <a:blip r:embed="rId4"/>
+          <a:stretch>
+            <a:fillRect/>
+          </a:stretch>
+        </p:blipFill>
+        <p:spPr>
+          <a:xfrm>
+            <a:off x="3378709" y="2507951"/>
+            <a:ext cx="4252328" cy="4206605"/>
+          </a:xfrm>
+          <a:prstGeom prst="rect">
+            <a:avLst/>
+          </a:prstGeom>
+        </p:spPr>
+      </p:pic>
+    </p:spTree>
+    <p:extLst>
+      <p:ext uri="{BB962C8B-B14F-4D97-AF65-F5344CB8AC3E}">
+        <p14:creationId xmlns:p14="http://schemas.microsoft.com/office/powerpoint/2010/main" val="2634270034"/>
+      </p:ext>
+    </p:extLst>
+  </p:cSld>
+  <p:clrMapOvr>
+    <a:masterClrMapping/>
+  </p:clrMapOvr>
+</p:sld>
+</file>
+
+<file path=ppt/slides/slide14.xml><?xml version="1.0" encoding="utf-8"?>
+<p:sld xmlns:a="http://schemas.openxmlformats.org/drawingml/2006/main" xmlns:r="http://schemas.openxmlformats.org/officeDocument/2006/relationships" xmlns:p="http://schemas.openxmlformats.org/presentationml/2006/main">
+  <p:cSld>
+    <p:spTree>
+      <p:nvGrpSpPr>
+        <p:cNvPr id="1" name=""/>
+        <p:cNvGrpSpPr/>
+        <p:nvPr/>
+      </p:nvGrpSpPr>
+      <p:grpSpPr>
+        <a:xfrm>
+          <a:off x="0" y="0"/>
+          <a:ext cx="0" cy="0"/>
+          <a:chOff x="0" y="0"/>
+          <a:chExt cx="0" cy="0"/>
+        </a:xfrm>
+      </p:grpSpPr>
+      <p:pic>
+        <p:nvPicPr>
+          <p:cNvPr id="2" name="Picture 1"/>
+          <p:cNvPicPr>
+            <a:picLocks noChangeAspect="1"/>
+          </p:cNvPicPr>
+          <p:nvPr/>
+        </p:nvPicPr>
+        <p:blipFill>
+          <a:blip r:embed="rId2"/>
+          <a:stretch>
+            <a:fillRect/>
+          </a:stretch>
+        </p:blipFill>
+        <p:spPr>
+          <a:xfrm>
+            <a:off x="533114" y="326796"/>
+            <a:ext cx="3939881" cy="3932261"/>
+          </a:xfrm>
+          <a:prstGeom prst="rect">
+            <a:avLst/>
+          </a:prstGeom>
+        </p:spPr>
+      </p:pic>
+      <p:pic>
+        <p:nvPicPr>
+          <p:cNvPr id="3" name="Picture 2"/>
+          <p:cNvPicPr>
+            <a:picLocks noChangeAspect="1"/>
+          </p:cNvPicPr>
+          <p:nvPr/>
+        </p:nvPicPr>
+        <p:blipFill>
+          <a:blip r:embed="rId3"/>
+          <a:stretch>
+            <a:fillRect/>
+          </a:stretch>
+        </p:blipFill>
+        <p:spPr>
+          <a:xfrm>
+            <a:off x="5811345" y="326796"/>
+            <a:ext cx="4023709" cy="1767993"/>
+          </a:xfrm>
+          <a:prstGeom prst="rect">
+            <a:avLst/>
+          </a:prstGeom>
+        </p:spPr>
+      </p:pic>
+      <p:pic>
+        <p:nvPicPr>
+          <p:cNvPr id="4" name="Picture 3"/>
+          <p:cNvPicPr>
+            <a:picLocks noChangeAspect="1"/>
+          </p:cNvPicPr>
+          <p:nvPr/>
+        </p:nvPicPr>
+        <p:blipFill>
+          <a:blip r:embed="rId4"/>
+          <a:stretch>
+            <a:fillRect/>
+          </a:stretch>
+        </p:blipFill>
+        <p:spPr>
+          <a:xfrm>
+            <a:off x="5811345" y="3217184"/>
+            <a:ext cx="4008467" cy="1661304"/>
+          </a:xfrm>
+          <a:prstGeom prst="rect">
+            <a:avLst/>
+          </a:prstGeom>
+        </p:spPr>
+      </p:pic>
+    </p:spTree>
+    <p:extLst>
+      <p:ext uri="{BB962C8B-B14F-4D97-AF65-F5344CB8AC3E}">
+        <p14:creationId xmlns:p14="http://schemas.microsoft.com/office/powerpoint/2010/main" val="797808275"/>
+      </p:ext>
+    </p:extLst>
+  </p:cSld>
+  <p:clrMapOvr>
+    <a:masterClrMapping/>
+  </p:clrMapOvr>
+</p:sld>
+</file>
+
+<file path=ppt/slides/slide15.xml><?xml version="1.0" encoding="utf-8"?>
+<p:sld xmlns:a="http://schemas.openxmlformats.org/drawingml/2006/main" xmlns:r="http://schemas.openxmlformats.org/officeDocument/2006/relationships" xmlns:p="http://schemas.openxmlformats.org/presentationml/2006/main">
+  <p:cSld>
+    <p:spTree>
+      <p:nvGrpSpPr>
+        <p:cNvPr id="1" name=""/>
+        <p:cNvGrpSpPr/>
+        <p:nvPr/>
+      </p:nvGrpSpPr>
+      <p:grpSpPr>
+        <a:xfrm>
+          <a:off x="0" y="0"/>
+          <a:ext cx="0" cy="0"/>
+          <a:chOff x="0" y="0"/>
+          <a:chExt cx="0" cy="0"/>
+        </a:xfrm>
+      </p:grpSpPr>
+      <p:sp>
+        <p:nvSpPr>
+          <p:cNvPr id="2" name="Title 1"/>
+          <p:cNvSpPr>
+            <a:spLocks noGrp="1"/>
+          </p:cNvSpPr>
+          <p:nvPr>
+            <p:ph type="title"/>
+          </p:nvPr>
+        </p:nvSpPr>
+        <p:spPr/>
+        <p:txBody>
+          <a:bodyPr/>
+          <a:lstStyle/>
+          <a:p>
+            <a:r>
+              <a:rPr lang="en-US" dirty="0" smtClean="0"/>
+              <a:t>Creating REST API Using Express JS</a:t>
+            </a:r>
+            <a:endParaRPr lang="en-US" dirty="0"/>
+          </a:p>
+        </p:txBody>
+      </p:sp>
+      <p:sp>
+        <p:nvSpPr>
+          <p:cNvPr id="3" name="Content Placeholder 2"/>
+          <p:cNvSpPr>
+            <a:spLocks noGrp="1"/>
+          </p:cNvSpPr>
+          <p:nvPr>
+            <p:ph idx="1"/>
+          </p:nvPr>
+        </p:nvSpPr>
+        <p:spPr/>
+        <p:txBody>
+          <a:bodyPr/>
+          <a:lstStyle/>
+          <a:p>
+            <a:r>
+              <a:rPr lang="en-US" dirty="0" smtClean="0"/>
+              <a:t>Create folder as Express JS REST API</a:t>
+            </a:r>
+          </a:p>
+          <a:p>
+            <a:r>
+              <a:rPr lang="en-US" dirty="0" smtClean="0"/>
+              <a:t>Install express </a:t>
+            </a:r>
+            <a:r>
+              <a:rPr lang="en-US" dirty="0" err="1" smtClean="0"/>
+              <a:t>js</a:t>
+            </a:r>
+            <a:r>
+              <a:rPr lang="en-US" dirty="0" smtClean="0"/>
+              <a:t> module </a:t>
+            </a:r>
+          </a:p>
+          <a:p>
+            <a:r>
+              <a:rPr lang="en-US" dirty="0" smtClean="0"/>
+              <a:t>Then create the app.js file </a:t>
+            </a:r>
+          </a:p>
+          <a:p>
+            <a:r>
+              <a:rPr lang="en-US" dirty="0" smtClean="0"/>
+              <a:t>We are creating Rest API using </a:t>
+            </a:r>
+          </a:p>
+          <a:p>
+            <a:r>
+              <a:rPr lang="en-US" dirty="0" smtClean="0"/>
+              <a:t>Get Method : Get resources </a:t>
+            </a:r>
+          </a:p>
+          <a:p>
+            <a:r>
+              <a:rPr lang="en-US" dirty="0" smtClean="0"/>
+              <a:t>Post method : Create resources </a:t>
+            </a:r>
+          </a:p>
+          <a:p>
+            <a:r>
+              <a:rPr lang="en-US" dirty="0" smtClean="0"/>
+              <a:t>Put method : Update resources</a:t>
+            </a:r>
+          </a:p>
+          <a:p>
+            <a:r>
+              <a:rPr lang="en-US" dirty="0" smtClean="0"/>
+              <a:t>Delete method : Delete resources  </a:t>
+            </a:r>
+            <a:endParaRPr lang="en-US" dirty="0"/>
+          </a:p>
+        </p:txBody>
+      </p:sp>
+    </p:spTree>
+    <p:extLst>
+      <p:ext uri="{BB962C8B-B14F-4D97-AF65-F5344CB8AC3E}">
+        <p14:creationId xmlns:p14="http://schemas.microsoft.com/office/powerpoint/2010/main" val="2509068713"/>
       </p:ext>
     </p:extLst>
   </p:cSld>
@@ -3556,71 +3618,9 @@
           <a:chExt cx="0" cy="0"/>
         </a:xfrm>
       </p:grpSpPr>
-      <p:sp>
-        <p:nvSpPr>
-          <p:cNvPr id="2" name="Title 1"/>
-          <p:cNvSpPr>
-            <a:spLocks noGrp="1"/>
-          </p:cNvSpPr>
-          <p:nvPr>
-            <p:ph type="title"/>
-          </p:nvPr>
-        </p:nvSpPr>
-        <p:spPr/>
-        <p:txBody>
-          <a:bodyPr/>
-          <a:lstStyle/>
-          <a:p>
-            <a:r>
-              <a:rPr lang="en-US" dirty="0" smtClean="0"/>
-              <a:t>To run the test case </a:t>
-            </a:r>
-            <a:endParaRPr lang="en-US" dirty="0"/>
-          </a:p>
-        </p:txBody>
-      </p:sp>
-      <p:sp>
-        <p:nvSpPr>
-          <p:cNvPr id="3" name="Content Placeholder 2"/>
-          <p:cNvSpPr>
-            <a:spLocks noGrp="1"/>
-          </p:cNvSpPr>
-          <p:nvPr>
-            <p:ph idx="1"/>
-          </p:nvPr>
-        </p:nvSpPr>
-        <p:spPr>
-          <a:xfrm>
-            <a:off x="838200" y="1825625"/>
-            <a:ext cx="9608127" cy="991466"/>
-          </a:xfrm>
-        </p:spPr>
-        <p:txBody>
-          <a:bodyPr/>
-          <a:lstStyle/>
-          <a:p>
-            <a:r>
-              <a:rPr lang="en-US" dirty="0" smtClean="0"/>
-              <a:t>We need to use the command as </a:t>
-            </a:r>
-          </a:p>
-          <a:p>
-            <a:pPr lvl="1"/>
-            <a:r>
-              <a:rPr lang="en-US" dirty="0"/>
-              <a:t>n</a:t>
-            </a:r>
-            <a:r>
-              <a:rPr lang="en-US" dirty="0" smtClean="0"/>
-              <a:t>g test </a:t>
-            </a:r>
-            <a:endParaRPr lang="en-US" dirty="0"/>
-          </a:p>
-        </p:txBody>
-      </p:sp>
       <p:pic>
         <p:nvPicPr>
-          <p:cNvPr id="4" name="Picture 3"/>
+          <p:cNvPr id="2" name="Picture 1"/>
           <p:cNvPicPr>
             <a:picLocks noChangeAspect="1"/>
           </p:cNvPicPr>
@@ -3634,8 +3634,8 @@
         </p:blipFill>
         <p:spPr>
           <a:xfrm>
-            <a:off x="184727" y="3481842"/>
-            <a:ext cx="12192000" cy="2720641"/>
+            <a:off x="184726" y="140467"/>
+            <a:ext cx="12007273" cy="6577066"/>
           </a:xfrm>
           <a:prstGeom prst="rect">
             <a:avLst/>
@@ -3645,7 +3645,7 @@
     </p:spTree>
     <p:extLst>
       <p:ext uri="{BB962C8B-B14F-4D97-AF65-F5344CB8AC3E}">
-        <p14:creationId xmlns:p14="http://schemas.microsoft.com/office/powerpoint/2010/main" val="1025171442"/>
+        <p14:creationId xmlns:p14="http://schemas.microsoft.com/office/powerpoint/2010/main" val="610674554"/>
       </p:ext>
     </p:extLst>
   </p:cSld>
@@ -3688,8 +3688,8 @@
         </p:blipFill>
         <p:spPr>
           <a:xfrm>
-            <a:off x="1593908" y="0"/>
-            <a:ext cx="9004184" cy="6858000"/>
+            <a:off x="0" y="14647"/>
+            <a:ext cx="9430327" cy="6843353"/>
           </a:xfrm>
           <a:prstGeom prst="rect">
             <a:avLst/>
@@ -3699,7 +3699,7 @@
     </p:spTree>
     <p:extLst>
       <p:ext uri="{BB962C8B-B14F-4D97-AF65-F5344CB8AC3E}">
-        <p14:creationId xmlns:p14="http://schemas.microsoft.com/office/powerpoint/2010/main" val="1714753965"/>
+        <p14:creationId xmlns:p14="http://schemas.microsoft.com/office/powerpoint/2010/main" val="3493816133"/>
       </p:ext>
     </p:extLst>
   </p:cSld>
@@ -3710,698 +3710,6 @@
 </file>
 
 <file path=ppt/slides/slide18.xml><?xml version="1.0" encoding="utf-8"?>
-<p:sld xmlns:a="http://schemas.openxmlformats.org/drawingml/2006/main" xmlns:r="http://schemas.openxmlformats.org/officeDocument/2006/relationships" xmlns:p="http://schemas.openxmlformats.org/presentationml/2006/main">
-  <p:cSld>
-    <p:spTree>
-      <p:nvGrpSpPr>
-        <p:cNvPr id="1" name=""/>
-        <p:cNvGrpSpPr/>
-        <p:nvPr/>
-      </p:nvGrpSpPr>
-      <p:grpSpPr>
-        <a:xfrm>
-          <a:off x="0" y="0"/>
-          <a:ext cx="0" cy="0"/>
-          <a:chOff x="0" y="0"/>
-          <a:chExt cx="0" cy="0"/>
-        </a:xfrm>
-      </p:grpSpPr>
-      <p:sp>
-        <p:nvSpPr>
-          <p:cNvPr id="2" name="Title 1"/>
-          <p:cNvSpPr>
-            <a:spLocks noGrp="1"/>
-          </p:cNvSpPr>
-          <p:nvPr>
-            <p:ph type="title"/>
-          </p:nvPr>
-        </p:nvSpPr>
-        <p:spPr/>
-        <p:txBody>
-          <a:bodyPr/>
-          <a:lstStyle/>
-          <a:p>
-            <a:r>
-              <a:rPr lang="en-US" dirty="0" smtClean="0"/>
-              <a:t>Testing in banking application </a:t>
-            </a:r>
-            <a:endParaRPr lang="en-US" dirty="0"/>
-          </a:p>
-        </p:txBody>
-      </p:sp>
-      <p:pic>
-        <p:nvPicPr>
-          <p:cNvPr id="4" name="Content Placeholder 3"/>
-          <p:cNvPicPr>
-            <a:picLocks noGrp="1" noChangeAspect="1"/>
-          </p:cNvPicPr>
-          <p:nvPr>
-            <p:ph idx="1"/>
-          </p:nvPr>
-        </p:nvPicPr>
-        <p:blipFill>
-          <a:blip r:embed="rId2"/>
-          <a:stretch>
-            <a:fillRect/>
-          </a:stretch>
-        </p:blipFill>
-        <p:spPr>
-          <a:xfrm>
-            <a:off x="838200" y="3255764"/>
-            <a:ext cx="10515600" cy="1491059"/>
-          </a:xfrm>
-          <a:prstGeom prst="rect">
-            <a:avLst/>
-          </a:prstGeom>
-        </p:spPr>
-      </p:pic>
-    </p:spTree>
-    <p:extLst>
-      <p:ext uri="{BB962C8B-B14F-4D97-AF65-F5344CB8AC3E}">
-        <p14:creationId xmlns:p14="http://schemas.microsoft.com/office/powerpoint/2010/main" val="1199391653"/>
-      </p:ext>
-    </p:extLst>
-  </p:cSld>
-  <p:clrMapOvr>
-    <a:masterClrMapping/>
-  </p:clrMapOvr>
-</p:sld>
-</file>
-
-<file path=ppt/slides/slide19.xml><?xml version="1.0" encoding="utf-8"?>
-<p:sld xmlns:a="http://schemas.openxmlformats.org/drawingml/2006/main" xmlns:r="http://schemas.openxmlformats.org/officeDocument/2006/relationships" xmlns:p="http://schemas.openxmlformats.org/presentationml/2006/main">
-  <p:cSld>
-    <p:spTree>
-      <p:nvGrpSpPr>
-        <p:cNvPr id="1" name=""/>
-        <p:cNvGrpSpPr/>
-        <p:nvPr/>
-      </p:nvGrpSpPr>
-      <p:grpSpPr>
-        <a:xfrm>
-          <a:off x="0" y="0"/>
-          <a:ext cx="0" cy="0"/>
-          <a:chOff x="0" y="0"/>
-          <a:chExt cx="0" cy="0"/>
-        </a:xfrm>
-      </p:grpSpPr>
-      <p:sp>
-        <p:nvSpPr>
-          <p:cNvPr id="2" name="Title 1"/>
-          <p:cNvSpPr>
-            <a:spLocks noGrp="1"/>
-          </p:cNvSpPr>
-          <p:nvPr>
-            <p:ph type="title"/>
-          </p:nvPr>
-        </p:nvSpPr>
-        <p:spPr/>
-        <p:txBody>
-          <a:bodyPr/>
-          <a:lstStyle/>
-          <a:p>
-            <a:r>
-              <a:rPr lang="en-US" dirty="0" err="1"/>
-              <a:t>a</a:t>
-            </a:r>
-            <a:r>
-              <a:rPr lang="en-US" dirty="0" err="1" smtClean="0"/>
-              <a:t>pp.component.spec.ts</a:t>
-            </a:r>
-            <a:endParaRPr lang="en-US" dirty="0"/>
-          </a:p>
-        </p:txBody>
-      </p:sp>
-      <p:pic>
-        <p:nvPicPr>
-          <p:cNvPr id="4" name="Content Placeholder 3"/>
-          <p:cNvPicPr>
-            <a:picLocks noGrp="1" noChangeAspect="1"/>
-          </p:cNvPicPr>
-          <p:nvPr>
-            <p:ph idx="1"/>
-          </p:nvPr>
-        </p:nvPicPr>
-        <p:blipFill>
-          <a:blip r:embed="rId2"/>
-          <a:stretch>
-            <a:fillRect/>
-          </a:stretch>
-        </p:blipFill>
-        <p:spPr>
-          <a:xfrm>
-            <a:off x="2161070" y="1825625"/>
-            <a:ext cx="7869860" cy="4351338"/>
-          </a:xfrm>
-          <a:prstGeom prst="rect">
-            <a:avLst/>
-          </a:prstGeom>
-        </p:spPr>
-      </p:pic>
-    </p:spTree>
-    <p:extLst>
-      <p:ext uri="{BB962C8B-B14F-4D97-AF65-F5344CB8AC3E}">
-        <p14:creationId xmlns:p14="http://schemas.microsoft.com/office/powerpoint/2010/main" val="813623825"/>
-      </p:ext>
-    </p:extLst>
-  </p:cSld>
-  <p:clrMapOvr>
-    <a:masterClrMapping/>
-  </p:clrMapOvr>
-</p:sld>
-</file>
-
-<file path=ppt/slides/slide2.xml><?xml version="1.0" encoding="utf-8"?>
-<p:sld xmlns:a="http://schemas.openxmlformats.org/drawingml/2006/main" xmlns:r="http://schemas.openxmlformats.org/officeDocument/2006/relationships" xmlns:p="http://schemas.openxmlformats.org/presentationml/2006/main">
-  <p:cSld>
-    <p:spTree>
-      <p:nvGrpSpPr>
-        <p:cNvPr id="1" name=""/>
-        <p:cNvGrpSpPr/>
-        <p:nvPr/>
-      </p:nvGrpSpPr>
-      <p:grpSpPr>
-        <a:xfrm>
-          <a:off x="0" y="0"/>
-          <a:ext cx="0" cy="0"/>
-          <a:chOff x="0" y="0"/>
-          <a:chExt cx="0" cy="0"/>
-        </a:xfrm>
-      </p:grpSpPr>
-      <p:sp>
-        <p:nvSpPr>
-          <p:cNvPr id="2" name="Title 1"/>
-          <p:cNvSpPr>
-            <a:spLocks noGrp="1"/>
-          </p:cNvSpPr>
-          <p:nvPr>
-            <p:ph type="title"/>
-          </p:nvPr>
-        </p:nvSpPr>
-        <p:spPr/>
-        <p:txBody>
-          <a:bodyPr/>
-          <a:lstStyle/>
-          <a:p>
-            <a:r>
-              <a:rPr lang="en-US" dirty="0" smtClean="0"/>
-              <a:t>Testing </a:t>
-            </a:r>
-            <a:endParaRPr lang="en-US" dirty="0"/>
-          </a:p>
-        </p:txBody>
-      </p:sp>
-      <p:sp>
-        <p:nvSpPr>
-          <p:cNvPr id="3" name="Content Placeholder 2"/>
-          <p:cNvSpPr>
-            <a:spLocks noGrp="1"/>
-          </p:cNvSpPr>
-          <p:nvPr>
-            <p:ph idx="1"/>
-          </p:nvPr>
-        </p:nvSpPr>
-        <p:spPr/>
-        <p:txBody>
-          <a:bodyPr/>
-          <a:lstStyle/>
-          <a:p>
-            <a:r>
-              <a:rPr lang="en-US" dirty="0" smtClean="0"/>
-              <a:t>Testing is use to find the defect or bugs or error in the application. </a:t>
-            </a:r>
-          </a:p>
-          <a:p>
-            <a:r>
-              <a:rPr lang="en-US" dirty="0"/>
-              <a:t>Tests are the best way to prevent software defects</a:t>
-            </a:r>
-            <a:r>
-              <a:rPr lang="en-US" dirty="0" smtClean="0"/>
-              <a:t>.</a:t>
-            </a:r>
-          </a:p>
-          <a:p>
-            <a:r>
-              <a:rPr lang="en-US" dirty="0" smtClean="0"/>
-              <a:t>There are two types of testing </a:t>
-            </a:r>
-          </a:p>
-          <a:p>
-            <a:pPr lvl="1"/>
-            <a:r>
-              <a:rPr lang="en-US" dirty="0" smtClean="0"/>
-              <a:t>Black box testing : </a:t>
-            </a:r>
-            <a:r>
-              <a:rPr lang="en-US" dirty="0"/>
-              <a:t>Black box testing </a:t>
-            </a:r>
-            <a:r>
-              <a:rPr lang="en-US" b="1" dirty="0"/>
-              <a:t>involves testing a system with no prior knowledge of its internal workings</a:t>
-            </a:r>
-            <a:r>
-              <a:rPr lang="en-US" dirty="0"/>
-              <a:t>.</a:t>
-            </a:r>
-            <a:endParaRPr lang="en-US" dirty="0" smtClean="0"/>
-          </a:p>
-          <a:p>
-            <a:pPr lvl="1"/>
-            <a:r>
-              <a:rPr lang="en-US" dirty="0" smtClean="0"/>
-              <a:t>White box testing : </a:t>
-            </a:r>
-            <a:r>
-              <a:rPr lang="en-US" dirty="0"/>
-              <a:t>White box testing techniques </a:t>
-            </a:r>
-            <a:r>
-              <a:rPr lang="en-US" b="1" dirty="0"/>
-              <a:t>analyze the internal structures the used data structures, internal design, code structure</a:t>
-            </a:r>
-            <a:endParaRPr lang="en-US" dirty="0"/>
-          </a:p>
-        </p:txBody>
-      </p:sp>
-    </p:spTree>
-    <p:extLst>
-      <p:ext uri="{BB962C8B-B14F-4D97-AF65-F5344CB8AC3E}">
-        <p14:creationId xmlns:p14="http://schemas.microsoft.com/office/powerpoint/2010/main" val="965558226"/>
-      </p:ext>
-    </p:extLst>
-  </p:cSld>
-  <p:clrMapOvr>
-    <a:masterClrMapping/>
-  </p:clrMapOvr>
-</p:sld>
-</file>
-
-<file path=ppt/slides/slide20.xml><?xml version="1.0" encoding="utf-8"?>
-<p:sld xmlns:a="http://schemas.openxmlformats.org/drawingml/2006/main" xmlns:r="http://schemas.openxmlformats.org/officeDocument/2006/relationships" xmlns:p="http://schemas.openxmlformats.org/presentationml/2006/main">
-  <p:cSld>
-    <p:spTree>
-      <p:nvGrpSpPr>
-        <p:cNvPr id="1" name=""/>
-        <p:cNvGrpSpPr/>
-        <p:nvPr/>
-      </p:nvGrpSpPr>
-      <p:grpSpPr>
-        <a:xfrm>
-          <a:off x="0" y="0"/>
-          <a:ext cx="0" cy="0"/>
-          <a:chOff x="0" y="0"/>
-          <a:chExt cx="0" cy="0"/>
-        </a:xfrm>
-      </p:grpSpPr>
-      <p:sp>
-        <p:nvSpPr>
-          <p:cNvPr id="2" name="Title 1"/>
-          <p:cNvSpPr>
-            <a:spLocks noGrp="1"/>
-          </p:cNvSpPr>
-          <p:nvPr>
-            <p:ph type="title"/>
-          </p:nvPr>
-        </p:nvSpPr>
-        <p:spPr/>
-        <p:txBody>
-          <a:bodyPr/>
-          <a:lstStyle/>
-          <a:p>
-            <a:r>
-              <a:rPr lang="en-US" dirty="0" err="1" smtClean="0"/>
-              <a:t>Home.component.spec.ts</a:t>
-            </a:r>
-            <a:endParaRPr lang="en-US" dirty="0"/>
-          </a:p>
-        </p:txBody>
-      </p:sp>
-      <p:pic>
-        <p:nvPicPr>
-          <p:cNvPr id="4" name="Content Placeholder 3"/>
-          <p:cNvPicPr>
-            <a:picLocks noGrp="1" noChangeAspect="1"/>
-          </p:cNvPicPr>
-          <p:nvPr>
-            <p:ph idx="1"/>
-          </p:nvPr>
-        </p:nvPicPr>
-        <p:blipFill>
-          <a:blip r:embed="rId2"/>
-          <a:stretch>
-            <a:fillRect/>
-          </a:stretch>
-        </p:blipFill>
-        <p:spPr>
-          <a:xfrm>
-            <a:off x="1915574" y="1825625"/>
-            <a:ext cx="8360851" cy="4351338"/>
-          </a:xfrm>
-          <a:prstGeom prst="rect">
-            <a:avLst/>
-          </a:prstGeom>
-        </p:spPr>
-      </p:pic>
-    </p:spTree>
-    <p:extLst>
-      <p:ext uri="{BB962C8B-B14F-4D97-AF65-F5344CB8AC3E}">
-        <p14:creationId xmlns:p14="http://schemas.microsoft.com/office/powerpoint/2010/main" val="3531282331"/>
-      </p:ext>
-    </p:extLst>
-  </p:cSld>
-  <p:clrMapOvr>
-    <a:masterClrMapping/>
-  </p:clrMapOvr>
-</p:sld>
-</file>
-
-<file path=ppt/slides/slide21.xml><?xml version="1.0" encoding="utf-8"?>
-<p:sld xmlns:a="http://schemas.openxmlformats.org/drawingml/2006/main" xmlns:r="http://schemas.openxmlformats.org/officeDocument/2006/relationships" xmlns:p="http://schemas.openxmlformats.org/presentationml/2006/main">
-  <p:cSld>
-    <p:spTree>
-      <p:nvGrpSpPr>
-        <p:cNvPr id="1" name=""/>
-        <p:cNvGrpSpPr/>
-        <p:nvPr/>
-      </p:nvGrpSpPr>
-      <p:grpSpPr>
-        <a:xfrm>
-          <a:off x="0" y="0"/>
-          <a:ext cx="0" cy="0"/>
-          <a:chOff x="0" y="0"/>
-          <a:chExt cx="0" cy="0"/>
-        </a:xfrm>
-      </p:grpSpPr>
-      <p:sp>
-        <p:nvSpPr>
-          <p:cNvPr id="2" name="Title 1"/>
-          <p:cNvSpPr>
-            <a:spLocks noGrp="1"/>
-          </p:cNvSpPr>
-          <p:nvPr>
-            <p:ph type="title"/>
-          </p:nvPr>
-        </p:nvSpPr>
-        <p:spPr/>
-        <p:txBody>
-          <a:bodyPr/>
-          <a:lstStyle/>
-          <a:p>
-            <a:r>
-              <a:rPr lang="en-US" dirty="0" smtClean="0"/>
-              <a:t>Customer-</a:t>
-            </a:r>
-            <a:r>
-              <a:rPr lang="en-US" dirty="0" err="1" smtClean="0"/>
-              <a:t>home.component.spec.ts</a:t>
-            </a:r>
-            <a:endParaRPr lang="en-US" dirty="0"/>
-          </a:p>
-        </p:txBody>
-      </p:sp>
-      <p:pic>
-        <p:nvPicPr>
-          <p:cNvPr id="4" name="Content Placeholder 3"/>
-          <p:cNvPicPr>
-            <a:picLocks noGrp="1" noChangeAspect="1"/>
-          </p:cNvPicPr>
-          <p:nvPr>
-            <p:ph idx="1"/>
-          </p:nvPr>
-        </p:nvPicPr>
-        <p:blipFill>
-          <a:blip r:embed="rId2"/>
-          <a:stretch>
-            <a:fillRect/>
-          </a:stretch>
-        </p:blipFill>
-        <p:spPr>
-          <a:xfrm>
-            <a:off x="1807030" y="1825625"/>
-            <a:ext cx="8577940" cy="4351338"/>
-          </a:xfrm>
-          <a:prstGeom prst="rect">
-            <a:avLst/>
-          </a:prstGeom>
-        </p:spPr>
-      </p:pic>
-    </p:spTree>
-    <p:extLst>
-      <p:ext uri="{BB962C8B-B14F-4D97-AF65-F5344CB8AC3E}">
-        <p14:creationId xmlns:p14="http://schemas.microsoft.com/office/powerpoint/2010/main" val="1099499755"/>
-      </p:ext>
-    </p:extLst>
-  </p:cSld>
-  <p:clrMapOvr>
-    <a:masterClrMapping/>
-  </p:clrMapOvr>
-</p:sld>
-</file>
-
-<file path=ppt/slides/slide22.xml><?xml version="1.0" encoding="utf-8"?>
-<p:sld xmlns:a="http://schemas.openxmlformats.org/drawingml/2006/main" xmlns:r="http://schemas.openxmlformats.org/officeDocument/2006/relationships" xmlns:p="http://schemas.openxmlformats.org/presentationml/2006/main">
-  <p:cSld>
-    <p:spTree>
-      <p:nvGrpSpPr>
-        <p:cNvPr id="1" name=""/>
-        <p:cNvGrpSpPr/>
-        <p:nvPr/>
-      </p:nvGrpSpPr>
-      <p:grpSpPr>
-        <a:xfrm>
-          <a:off x="0" y="0"/>
-          <a:ext cx="0" cy="0"/>
-          <a:chOff x="0" y="0"/>
-          <a:chExt cx="0" cy="0"/>
-        </a:xfrm>
-      </p:grpSpPr>
-      <p:sp>
-        <p:nvSpPr>
-          <p:cNvPr id="2" name="Title 1"/>
-          <p:cNvSpPr>
-            <a:spLocks noGrp="1"/>
-          </p:cNvSpPr>
-          <p:nvPr>
-            <p:ph type="title"/>
-          </p:nvPr>
-        </p:nvSpPr>
-        <p:spPr/>
-        <p:txBody>
-          <a:bodyPr/>
-          <a:lstStyle/>
-          <a:p>
-            <a:r>
-              <a:rPr lang="en-US" dirty="0" smtClean="0"/>
-              <a:t>Admin-</a:t>
-            </a:r>
-            <a:r>
-              <a:rPr lang="en-US" dirty="0" err="1" smtClean="0"/>
-              <a:t>home.component.spec.ts</a:t>
-            </a:r>
-            <a:endParaRPr lang="en-US" dirty="0"/>
-          </a:p>
-        </p:txBody>
-      </p:sp>
-      <p:pic>
-        <p:nvPicPr>
-          <p:cNvPr id="4" name="Content Placeholder 3"/>
-          <p:cNvPicPr>
-            <a:picLocks noGrp="1" noChangeAspect="1"/>
-          </p:cNvPicPr>
-          <p:nvPr>
-            <p:ph idx="1"/>
-          </p:nvPr>
-        </p:nvPicPr>
-        <p:blipFill>
-          <a:blip r:embed="rId2"/>
-          <a:stretch>
-            <a:fillRect/>
-          </a:stretch>
-        </p:blipFill>
-        <p:spPr>
-          <a:xfrm>
-            <a:off x="1890354" y="1825625"/>
-            <a:ext cx="8411291" cy="4351338"/>
-          </a:xfrm>
-          <a:prstGeom prst="rect">
-            <a:avLst/>
-          </a:prstGeom>
-        </p:spPr>
-      </p:pic>
-    </p:spTree>
-    <p:extLst>
-      <p:ext uri="{BB962C8B-B14F-4D97-AF65-F5344CB8AC3E}">
-        <p14:creationId xmlns:p14="http://schemas.microsoft.com/office/powerpoint/2010/main" val="2990441641"/>
-      </p:ext>
-    </p:extLst>
-  </p:cSld>
-  <p:clrMapOvr>
-    <a:masterClrMapping/>
-  </p:clrMapOvr>
-</p:sld>
-</file>
-
-<file path=ppt/slides/slide23.xml><?xml version="1.0" encoding="utf-8"?>
-<p:sld xmlns:a="http://schemas.openxmlformats.org/drawingml/2006/main" xmlns:r="http://schemas.openxmlformats.org/officeDocument/2006/relationships" xmlns:p="http://schemas.openxmlformats.org/presentationml/2006/main">
-  <p:cSld>
-    <p:spTree>
-      <p:nvGrpSpPr>
-        <p:cNvPr id="1" name=""/>
-        <p:cNvGrpSpPr/>
-        <p:nvPr/>
-      </p:nvGrpSpPr>
-      <p:grpSpPr>
-        <a:xfrm>
-          <a:off x="0" y="0"/>
-          <a:ext cx="0" cy="0"/>
-          <a:chOff x="0" y="0"/>
-          <a:chExt cx="0" cy="0"/>
-        </a:xfrm>
-      </p:grpSpPr>
-      <p:sp>
-        <p:nvSpPr>
-          <p:cNvPr id="2" name="Title 1"/>
-          <p:cNvSpPr>
-            <a:spLocks noGrp="1"/>
-          </p:cNvSpPr>
-          <p:nvPr>
-            <p:ph type="title"/>
-          </p:nvPr>
-        </p:nvSpPr>
-        <p:spPr/>
-        <p:txBody>
-          <a:bodyPr/>
-          <a:lstStyle/>
-          <a:p>
-            <a:r>
-              <a:rPr lang="en-US" dirty="0" err="1" smtClean="0"/>
-              <a:t>Customer.service.spec.ts</a:t>
-            </a:r>
-            <a:endParaRPr lang="en-US" dirty="0"/>
-          </a:p>
-        </p:txBody>
-      </p:sp>
-      <p:pic>
-        <p:nvPicPr>
-          <p:cNvPr id="4" name="Content Placeholder 3"/>
-          <p:cNvPicPr>
-            <a:picLocks noGrp="1" noChangeAspect="1"/>
-          </p:cNvPicPr>
-          <p:nvPr>
-            <p:ph idx="1"/>
-          </p:nvPr>
-        </p:nvPicPr>
-        <p:blipFill>
-          <a:blip r:embed="rId2"/>
-          <a:stretch>
-            <a:fillRect/>
-          </a:stretch>
-        </p:blipFill>
-        <p:spPr>
-          <a:xfrm>
-            <a:off x="1756538" y="1825625"/>
-            <a:ext cx="8678924" cy="4351338"/>
-          </a:xfrm>
-          <a:prstGeom prst="rect">
-            <a:avLst/>
-          </a:prstGeom>
-        </p:spPr>
-      </p:pic>
-    </p:spTree>
-    <p:extLst>
-      <p:ext uri="{BB962C8B-B14F-4D97-AF65-F5344CB8AC3E}">
-        <p14:creationId xmlns:p14="http://schemas.microsoft.com/office/powerpoint/2010/main" val="2704202823"/>
-      </p:ext>
-    </p:extLst>
-  </p:cSld>
-  <p:clrMapOvr>
-    <a:masterClrMapping/>
-  </p:clrMapOvr>
-</p:sld>
-</file>
-
-<file path=ppt/slides/slide24.xml><?xml version="1.0" encoding="utf-8"?>
-<p:sld xmlns:a="http://schemas.openxmlformats.org/drawingml/2006/main" xmlns:r="http://schemas.openxmlformats.org/officeDocument/2006/relationships" xmlns:p="http://schemas.openxmlformats.org/presentationml/2006/main">
-  <p:cSld>
-    <p:spTree>
-      <p:nvGrpSpPr>
-        <p:cNvPr id="1" name=""/>
-        <p:cNvGrpSpPr/>
-        <p:nvPr/>
-      </p:nvGrpSpPr>
-      <p:grpSpPr>
-        <a:xfrm>
-          <a:off x="0" y="0"/>
-          <a:ext cx="0" cy="0"/>
-          <a:chOff x="0" y="0"/>
-          <a:chExt cx="0" cy="0"/>
-        </a:xfrm>
-      </p:grpSpPr>
-      <p:sp>
-        <p:nvSpPr>
-          <p:cNvPr id="2" name="Title 1"/>
-          <p:cNvSpPr>
-            <a:spLocks noGrp="1"/>
-          </p:cNvSpPr>
-          <p:nvPr>
-            <p:ph type="title"/>
-          </p:nvPr>
-        </p:nvSpPr>
-        <p:spPr/>
-        <p:txBody>
-          <a:bodyPr/>
-          <a:lstStyle/>
-          <a:p>
-            <a:r>
-              <a:rPr lang="en-US" dirty="0" err="1" smtClean="0"/>
-              <a:t>Transaction.service.spec.ts</a:t>
-            </a:r>
-            <a:endParaRPr lang="en-US" dirty="0"/>
-          </a:p>
-        </p:txBody>
-      </p:sp>
-      <p:pic>
-        <p:nvPicPr>
-          <p:cNvPr id="4" name="Content Placeholder 3"/>
-          <p:cNvPicPr>
-            <a:picLocks noGrp="1" noChangeAspect="1"/>
-          </p:cNvPicPr>
-          <p:nvPr>
-            <p:ph idx="1"/>
-          </p:nvPr>
-        </p:nvPicPr>
-        <p:blipFill>
-          <a:blip r:embed="rId2"/>
-          <a:stretch>
-            <a:fillRect/>
-          </a:stretch>
-        </p:blipFill>
-        <p:spPr>
-          <a:xfrm>
-            <a:off x="1754331" y="1825625"/>
-            <a:ext cx="8683337" cy="4351338"/>
-          </a:xfrm>
-          <a:prstGeom prst="rect">
-            <a:avLst/>
-          </a:prstGeom>
-        </p:spPr>
-      </p:pic>
-    </p:spTree>
-    <p:extLst>
-      <p:ext uri="{BB962C8B-B14F-4D97-AF65-F5344CB8AC3E}">
-        <p14:creationId xmlns:p14="http://schemas.microsoft.com/office/powerpoint/2010/main" val="3571270620"/>
-      </p:ext>
-    </p:extLst>
-  </p:cSld>
-  <p:clrMapOvr>
-    <a:masterClrMapping/>
-  </p:clrMapOvr>
-</p:sld>
-</file>
-
-<file path=ppt/slides/slide25.xml><?xml version="1.0" encoding="utf-8"?>
 <p:sld xmlns:a="http://schemas.openxmlformats.org/drawingml/2006/main" xmlns:r="http://schemas.openxmlformats.org/officeDocument/2006/relationships" xmlns:p="http://schemas.openxmlformats.org/presentationml/2006/main">
   <p:cSld>
     <p:spTree>
@@ -4434,8 +3742,8 @@
         </p:blipFill>
         <p:spPr>
           <a:xfrm>
-            <a:off x="0" y="-443347"/>
-            <a:ext cx="12192000" cy="7253897"/>
+            <a:off x="1858913" y="415029"/>
+            <a:ext cx="8474174" cy="6027942"/>
           </a:xfrm>
           <a:prstGeom prst="rect">
             <a:avLst/>
@@ -4445,7 +3753,1007 @@
     </p:spTree>
     <p:extLst>
       <p:ext uri="{BB962C8B-B14F-4D97-AF65-F5344CB8AC3E}">
-        <p14:creationId xmlns:p14="http://schemas.microsoft.com/office/powerpoint/2010/main" val="4080667158"/>
+        <p14:creationId xmlns:p14="http://schemas.microsoft.com/office/powerpoint/2010/main" val="636772550"/>
+      </p:ext>
+    </p:extLst>
+  </p:cSld>
+  <p:clrMapOvr>
+    <a:masterClrMapping/>
+  </p:clrMapOvr>
+</p:sld>
+</file>
+
+<file path=ppt/slides/slide19.xml><?xml version="1.0" encoding="utf-8"?>
+<p:sld xmlns:a="http://schemas.openxmlformats.org/drawingml/2006/main" xmlns:r="http://schemas.openxmlformats.org/officeDocument/2006/relationships" xmlns:p="http://schemas.openxmlformats.org/presentationml/2006/main">
+  <p:cSld>
+    <p:spTree>
+      <p:nvGrpSpPr>
+        <p:cNvPr id="1" name=""/>
+        <p:cNvGrpSpPr/>
+        <p:nvPr/>
+      </p:nvGrpSpPr>
+      <p:grpSpPr>
+        <a:xfrm>
+          <a:off x="0" y="0"/>
+          <a:ext cx="0" cy="0"/>
+          <a:chOff x="0" y="0"/>
+          <a:chExt cx="0" cy="0"/>
+        </a:xfrm>
+      </p:grpSpPr>
+      <p:pic>
+        <p:nvPicPr>
+          <p:cNvPr id="3" name="Picture 2"/>
+          <p:cNvPicPr>
+            <a:picLocks noChangeAspect="1"/>
+          </p:cNvPicPr>
+          <p:nvPr/>
+        </p:nvPicPr>
+        <p:blipFill>
+          <a:blip r:embed="rId2"/>
+          <a:stretch>
+            <a:fillRect/>
+          </a:stretch>
+        </p:blipFill>
+        <p:spPr>
+          <a:xfrm>
+            <a:off x="2285670" y="68289"/>
+            <a:ext cx="7620660" cy="6721422"/>
+          </a:xfrm>
+          <a:prstGeom prst="rect">
+            <a:avLst/>
+          </a:prstGeom>
+        </p:spPr>
+      </p:pic>
+    </p:spTree>
+    <p:extLst>
+      <p:ext uri="{BB962C8B-B14F-4D97-AF65-F5344CB8AC3E}">
+        <p14:creationId xmlns:p14="http://schemas.microsoft.com/office/powerpoint/2010/main" val="1039489763"/>
+      </p:ext>
+    </p:extLst>
+  </p:cSld>
+  <p:clrMapOvr>
+    <a:masterClrMapping/>
+  </p:clrMapOvr>
+</p:sld>
+</file>
+
+<file path=ppt/slides/slide2.xml><?xml version="1.0" encoding="utf-8"?>
+<p:sld xmlns:a="http://schemas.openxmlformats.org/drawingml/2006/main" xmlns:r="http://schemas.openxmlformats.org/officeDocument/2006/relationships" xmlns:p="http://schemas.openxmlformats.org/presentationml/2006/main">
+  <p:cSld>
+    <p:spTree>
+      <p:nvGrpSpPr>
+        <p:cNvPr id="1" name=""/>
+        <p:cNvGrpSpPr/>
+        <p:nvPr/>
+      </p:nvGrpSpPr>
+      <p:grpSpPr>
+        <a:xfrm>
+          <a:off x="0" y="0"/>
+          <a:ext cx="0" cy="0"/>
+          <a:chOff x="0" y="0"/>
+          <a:chExt cx="0" cy="0"/>
+        </a:xfrm>
+      </p:grpSpPr>
+      <p:sp>
+        <p:nvSpPr>
+          <p:cNvPr id="2" name="Title 1"/>
+          <p:cNvSpPr>
+            <a:spLocks noGrp="1"/>
+          </p:cNvSpPr>
+          <p:nvPr>
+            <p:ph type="title"/>
+          </p:nvPr>
+        </p:nvSpPr>
+        <p:spPr/>
+        <p:txBody>
+          <a:bodyPr/>
+          <a:lstStyle/>
+          <a:p>
+            <a:r>
+              <a:rPr lang="en-US" dirty="0" smtClean="0"/>
+              <a:t>Express JS  </a:t>
+            </a:r>
+            <a:endParaRPr lang="en-US" dirty="0"/>
+          </a:p>
+        </p:txBody>
+      </p:sp>
+      <p:sp>
+        <p:nvSpPr>
+          <p:cNvPr id="3" name="Content Placeholder 2"/>
+          <p:cNvSpPr>
+            <a:spLocks noGrp="1"/>
+          </p:cNvSpPr>
+          <p:nvPr>
+            <p:ph idx="1"/>
+          </p:nvPr>
+        </p:nvSpPr>
+        <p:spPr/>
+        <p:txBody>
+          <a:bodyPr>
+            <a:normAutofit fontScale="92500" lnSpcReduction="10000"/>
+          </a:bodyPr>
+          <a:lstStyle/>
+          <a:p>
+            <a:r>
+              <a:rPr lang="en-IN" dirty="0"/>
+              <a:t>Express Module : Express Module is third party module base upon the http module. </a:t>
+            </a:r>
+            <a:endParaRPr lang="en-US" dirty="0"/>
+          </a:p>
+          <a:p>
+            <a:r>
+              <a:rPr lang="en-IN" dirty="0"/>
+              <a:t>Which help to create node JS web application and REST full API very easily. </a:t>
+            </a:r>
+            <a:endParaRPr lang="en-US" dirty="0"/>
+          </a:p>
+          <a:p>
+            <a:r>
+              <a:rPr lang="en-US" dirty="0" smtClean="0"/>
+              <a:t>Other third party node </a:t>
+            </a:r>
+            <a:r>
+              <a:rPr lang="en-US" dirty="0" err="1" smtClean="0"/>
+              <a:t>js</a:t>
+            </a:r>
+            <a:r>
+              <a:rPr lang="en-US" dirty="0" smtClean="0"/>
+              <a:t> web framework. </a:t>
+            </a:r>
+          </a:p>
+          <a:p>
+            <a:pPr lvl="1"/>
+            <a:r>
+              <a:rPr lang="en-IN" dirty="0"/>
+              <a:t>Express.js- Express for Everyone</a:t>
+            </a:r>
+            <a:endParaRPr lang="en-US" dirty="0"/>
+          </a:p>
+          <a:p>
+            <a:pPr lvl="1"/>
+            <a:r>
+              <a:rPr lang="en-IN" dirty="0"/>
+              <a:t>Koa.js- Next Generation Node.js Framework</a:t>
+            </a:r>
+            <a:endParaRPr lang="en-US" dirty="0"/>
+          </a:p>
+          <a:p>
+            <a:pPr lvl="1"/>
+            <a:r>
+              <a:rPr lang="en-IN" dirty="0"/>
+              <a:t>Meteor.js- One Application, One Language</a:t>
+            </a:r>
+            <a:endParaRPr lang="en-US" dirty="0"/>
+          </a:p>
+          <a:p>
+            <a:pPr lvl="1"/>
+            <a:r>
+              <a:rPr lang="en-IN" dirty="0"/>
+              <a:t>Socket.io- Chat Apps Made Easy with Socket.io</a:t>
+            </a:r>
+            <a:endParaRPr lang="en-US" dirty="0"/>
+          </a:p>
+          <a:p>
+            <a:pPr lvl="1"/>
+            <a:r>
+              <a:rPr lang="en-IN" dirty="0"/>
+              <a:t>Nest.js- A Nestling of Code</a:t>
+            </a:r>
+            <a:endParaRPr lang="en-US" dirty="0"/>
+          </a:p>
+          <a:p>
+            <a:pPr lvl="1"/>
+            <a:r>
+              <a:rPr lang="en-IN" dirty="0"/>
+              <a:t>Sails.js- Modernized Data-Oriented MVC Framework </a:t>
+            </a:r>
+            <a:endParaRPr lang="en-US" dirty="0"/>
+          </a:p>
+          <a:p>
+            <a:pPr lvl="1"/>
+            <a:r>
+              <a:rPr lang="en-IN" dirty="0"/>
+              <a:t>Total.js- A Complete Framework</a:t>
+            </a:r>
+            <a:endParaRPr lang="en-US" dirty="0"/>
+          </a:p>
+          <a:p>
+            <a:pPr lvl="1"/>
+            <a:r>
+              <a:rPr lang="en-IN" dirty="0"/>
+              <a:t>Hapi.js- Secure than Ever</a:t>
+            </a:r>
+            <a:endParaRPr lang="en-US" dirty="0"/>
+          </a:p>
+        </p:txBody>
+      </p:sp>
+    </p:spTree>
+    <p:extLst>
+      <p:ext uri="{BB962C8B-B14F-4D97-AF65-F5344CB8AC3E}">
+        <p14:creationId xmlns:p14="http://schemas.microsoft.com/office/powerpoint/2010/main" val="965558226"/>
+      </p:ext>
+    </p:extLst>
+  </p:cSld>
+  <p:clrMapOvr>
+    <a:masterClrMapping/>
+  </p:clrMapOvr>
+</p:sld>
+</file>
+
+<file path=ppt/slides/slide20.xml><?xml version="1.0" encoding="utf-8"?>
+<p:sld xmlns:a="http://schemas.openxmlformats.org/drawingml/2006/main" xmlns:r="http://schemas.openxmlformats.org/officeDocument/2006/relationships" xmlns:p="http://schemas.openxmlformats.org/presentationml/2006/main">
+  <p:cSld>
+    <p:spTree>
+      <p:nvGrpSpPr>
+        <p:cNvPr id="1" name=""/>
+        <p:cNvGrpSpPr/>
+        <p:nvPr/>
+      </p:nvGrpSpPr>
+      <p:grpSpPr>
+        <a:xfrm>
+          <a:off x="0" y="0"/>
+          <a:ext cx="0" cy="0"/>
+          <a:chOff x="0" y="0"/>
+          <a:chExt cx="0" cy="0"/>
+        </a:xfrm>
+      </p:grpSpPr>
+      <p:sp>
+        <p:nvSpPr>
+          <p:cNvPr id="2" name="Title 1"/>
+          <p:cNvSpPr>
+            <a:spLocks noGrp="1"/>
+          </p:cNvSpPr>
+          <p:nvPr>
+            <p:ph type="title"/>
+          </p:nvPr>
+        </p:nvSpPr>
+        <p:spPr/>
+        <p:txBody>
+          <a:bodyPr/>
+          <a:lstStyle/>
+          <a:p>
+            <a:r>
+              <a:rPr lang="en-US" dirty="0" smtClean="0"/>
+              <a:t>Testing rest </a:t>
+            </a:r>
+            <a:r>
+              <a:rPr lang="en-US" dirty="0" err="1" smtClean="0"/>
+              <a:t>api</a:t>
+            </a:r>
+            <a:r>
+              <a:rPr lang="en-US" dirty="0" smtClean="0"/>
+              <a:t> </a:t>
+            </a:r>
+            <a:endParaRPr lang="en-US" dirty="0"/>
+          </a:p>
+        </p:txBody>
+      </p:sp>
+      <p:sp>
+        <p:nvSpPr>
+          <p:cNvPr id="3" name="Content Placeholder 2"/>
+          <p:cNvSpPr>
+            <a:spLocks noGrp="1"/>
+          </p:cNvSpPr>
+          <p:nvPr>
+            <p:ph idx="1"/>
+          </p:nvPr>
+        </p:nvSpPr>
+        <p:spPr/>
+        <p:txBody>
+          <a:bodyPr/>
+          <a:lstStyle/>
+          <a:p>
+            <a:r>
+              <a:rPr lang="en-US" dirty="0" smtClean="0"/>
+              <a:t>These all rest </a:t>
+            </a:r>
+            <a:r>
+              <a:rPr lang="en-US" dirty="0" err="1" smtClean="0"/>
+              <a:t>api</a:t>
+            </a:r>
+            <a:r>
+              <a:rPr lang="en-US" dirty="0" smtClean="0"/>
+              <a:t> we can’t test except get method through browser. So we can check the rest </a:t>
+            </a:r>
+            <a:r>
+              <a:rPr lang="en-US" dirty="0" err="1" smtClean="0"/>
+              <a:t>api</a:t>
+            </a:r>
+            <a:r>
+              <a:rPr lang="en-US" dirty="0" smtClean="0"/>
+              <a:t> using rest client tool. </a:t>
+            </a:r>
+          </a:p>
+          <a:p>
+            <a:r>
+              <a:rPr lang="en-US" dirty="0" smtClean="0"/>
+              <a:t>We can use any tool </a:t>
+            </a:r>
+          </a:p>
+          <a:p>
+            <a:r>
+              <a:rPr lang="en-US" dirty="0" smtClean="0"/>
+              <a:t>Like browse depends tool like ARC or post man </a:t>
+            </a:r>
+          </a:p>
+          <a:p>
+            <a:r>
+              <a:rPr lang="en-US" dirty="0" smtClean="0"/>
+              <a:t>Command prompt tool like </a:t>
+            </a:r>
+            <a:r>
+              <a:rPr lang="en-US" dirty="0" err="1" smtClean="0"/>
+              <a:t>ssh</a:t>
+            </a:r>
+            <a:r>
+              <a:rPr lang="en-US" dirty="0" smtClean="0"/>
+              <a:t> client </a:t>
+            </a:r>
+            <a:r>
+              <a:rPr lang="en-US" dirty="0" err="1" smtClean="0"/>
+              <a:t>ie</a:t>
+            </a:r>
+            <a:r>
+              <a:rPr lang="en-US" dirty="0" smtClean="0"/>
+              <a:t> </a:t>
+            </a:r>
+            <a:r>
+              <a:rPr lang="en-US" dirty="0" err="1" smtClean="0"/>
+              <a:t>git</a:t>
+            </a:r>
+            <a:r>
+              <a:rPr lang="en-US" dirty="0" smtClean="0"/>
+              <a:t> bash </a:t>
+            </a:r>
+          </a:p>
+          <a:p>
+            <a:r>
+              <a:rPr lang="en-US" dirty="0" smtClean="0"/>
+              <a:t>So we are using </a:t>
+            </a:r>
+            <a:r>
+              <a:rPr lang="en-US" dirty="0" err="1" smtClean="0"/>
+              <a:t>git</a:t>
+            </a:r>
+            <a:r>
+              <a:rPr lang="en-US" dirty="0" smtClean="0"/>
+              <a:t> bash to check these rest </a:t>
+            </a:r>
+            <a:r>
+              <a:rPr lang="en-US" dirty="0" err="1" smtClean="0"/>
+              <a:t>api</a:t>
+            </a:r>
+            <a:r>
+              <a:rPr lang="en-US" dirty="0" smtClean="0"/>
+              <a:t> using curl </a:t>
+            </a:r>
+            <a:endParaRPr lang="en-US" dirty="0"/>
+          </a:p>
+        </p:txBody>
+      </p:sp>
+    </p:spTree>
+    <p:extLst>
+      <p:ext uri="{BB962C8B-B14F-4D97-AF65-F5344CB8AC3E}">
+        <p14:creationId xmlns:p14="http://schemas.microsoft.com/office/powerpoint/2010/main" val="585874422"/>
+      </p:ext>
+    </p:extLst>
+  </p:cSld>
+  <p:clrMapOvr>
+    <a:masterClrMapping/>
+  </p:clrMapOvr>
+</p:sld>
+</file>
+
+<file path=ppt/slides/slide21.xml><?xml version="1.0" encoding="utf-8"?>
+<p:sld xmlns:a="http://schemas.openxmlformats.org/drawingml/2006/main" xmlns:r="http://schemas.openxmlformats.org/officeDocument/2006/relationships" xmlns:p="http://schemas.openxmlformats.org/presentationml/2006/main">
+  <p:cSld>
+    <p:spTree>
+      <p:nvGrpSpPr>
+        <p:cNvPr id="1" name=""/>
+        <p:cNvGrpSpPr/>
+        <p:nvPr/>
+      </p:nvGrpSpPr>
+      <p:grpSpPr>
+        <a:xfrm>
+          <a:off x="0" y="0"/>
+          <a:ext cx="0" cy="0"/>
+          <a:chOff x="0" y="0"/>
+          <a:chExt cx="0" cy="0"/>
+        </a:xfrm>
+      </p:grpSpPr>
+      <p:sp>
+        <p:nvSpPr>
+          <p:cNvPr id="2" name="Title 1"/>
+          <p:cNvSpPr>
+            <a:spLocks noGrp="1"/>
+          </p:cNvSpPr>
+          <p:nvPr>
+            <p:ph type="title"/>
+          </p:nvPr>
+        </p:nvSpPr>
+        <p:spPr/>
+        <p:txBody>
+          <a:bodyPr/>
+          <a:lstStyle/>
+          <a:p>
+            <a:r>
+              <a:rPr lang="en-US" dirty="0" smtClean="0"/>
+              <a:t>Get methods using </a:t>
+            </a:r>
+            <a:r>
+              <a:rPr lang="en-US" dirty="0" err="1" smtClean="0"/>
+              <a:t>git</a:t>
+            </a:r>
+            <a:r>
+              <a:rPr lang="en-US" dirty="0" smtClean="0"/>
+              <a:t> bash client </a:t>
+            </a:r>
+            <a:endParaRPr lang="en-US" dirty="0"/>
+          </a:p>
+        </p:txBody>
+      </p:sp>
+      <p:pic>
+        <p:nvPicPr>
+          <p:cNvPr id="4" name="Content Placeholder 3"/>
+          <p:cNvPicPr>
+            <a:picLocks noGrp="1" noChangeAspect="1"/>
+          </p:cNvPicPr>
+          <p:nvPr>
+            <p:ph idx="1"/>
+          </p:nvPr>
+        </p:nvPicPr>
+        <p:blipFill>
+          <a:blip r:embed="rId2"/>
+          <a:stretch>
+            <a:fillRect/>
+          </a:stretch>
+        </p:blipFill>
+        <p:spPr>
+          <a:xfrm>
+            <a:off x="838200" y="1995284"/>
+            <a:ext cx="10515600" cy="4012020"/>
+          </a:xfrm>
+          <a:prstGeom prst="rect">
+            <a:avLst/>
+          </a:prstGeom>
+        </p:spPr>
+      </p:pic>
+    </p:spTree>
+    <p:extLst>
+      <p:ext uri="{BB962C8B-B14F-4D97-AF65-F5344CB8AC3E}">
+        <p14:creationId xmlns:p14="http://schemas.microsoft.com/office/powerpoint/2010/main" val="4045809527"/>
+      </p:ext>
+    </p:extLst>
+  </p:cSld>
+  <p:clrMapOvr>
+    <a:masterClrMapping/>
+  </p:clrMapOvr>
+</p:sld>
+</file>
+
+<file path=ppt/slides/slide22.xml><?xml version="1.0" encoding="utf-8"?>
+<p:sld xmlns:a="http://schemas.openxmlformats.org/drawingml/2006/main" xmlns:r="http://schemas.openxmlformats.org/officeDocument/2006/relationships" xmlns:p="http://schemas.openxmlformats.org/presentationml/2006/main">
+  <p:cSld>
+    <p:spTree>
+      <p:nvGrpSpPr>
+        <p:cNvPr id="1" name=""/>
+        <p:cNvGrpSpPr/>
+        <p:nvPr/>
+      </p:nvGrpSpPr>
+      <p:grpSpPr>
+        <a:xfrm>
+          <a:off x="0" y="0"/>
+          <a:ext cx="0" cy="0"/>
+          <a:chOff x="0" y="0"/>
+          <a:chExt cx="0" cy="0"/>
+        </a:xfrm>
+      </p:grpSpPr>
+      <p:sp>
+        <p:nvSpPr>
+          <p:cNvPr id="2" name="Title 1"/>
+          <p:cNvSpPr>
+            <a:spLocks noGrp="1"/>
+          </p:cNvSpPr>
+          <p:nvPr>
+            <p:ph type="title"/>
+          </p:nvPr>
+        </p:nvSpPr>
+        <p:spPr/>
+        <p:txBody>
+          <a:bodyPr/>
+          <a:lstStyle/>
+          <a:p>
+            <a:r>
+              <a:rPr lang="en-US" dirty="0" smtClean="0"/>
+              <a:t>Get method query </a:t>
+            </a:r>
+            <a:r>
+              <a:rPr lang="en-US" dirty="0" err="1" smtClean="0"/>
+              <a:t>param</a:t>
+            </a:r>
+            <a:r>
+              <a:rPr lang="en-US" dirty="0" smtClean="0"/>
+              <a:t> and path </a:t>
+            </a:r>
+            <a:r>
+              <a:rPr lang="en-US" dirty="0" err="1" smtClean="0"/>
+              <a:t>param</a:t>
+            </a:r>
+            <a:r>
+              <a:rPr lang="en-US" dirty="0" smtClean="0"/>
+              <a:t> </a:t>
+            </a:r>
+            <a:endParaRPr lang="en-US" dirty="0"/>
+          </a:p>
+        </p:txBody>
+      </p:sp>
+      <p:pic>
+        <p:nvPicPr>
+          <p:cNvPr id="4" name="Content Placeholder 3"/>
+          <p:cNvPicPr>
+            <a:picLocks noGrp="1" noChangeAspect="1"/>
+          </p:cNvPicPr>
+          <p:nvPr>
+            <p:ph idx="1"/>
+          </p:nvPr>
+        </p:nvPicPr>
+        <p:blipFill>
+          <a:blip r:embed="rId2"/>
+          <a:stretch>
+            <a:fillRect/>
+          </a:stretch>
+        </p:blipFill>
+        <p:spPr>
+          <a:xfrm>
+            <a:off x="838200" y="2555873"/>
+            <a:ext cx="10515600" cy="2890842"/>
+          </a:xfrm>
+          <a:prstGeom prst="rect">
+            <a:avLst/>
+          </a:prstGeom>
+        </p:spPr>
+      </p:pic>
+    </p:spTree>
+    <p:extLst>
+      <p:ext uri="{BB962C8B-B14F-4D97-AF65-F5344CB8AC3E}">
+        <p14:creationId xmlns:p14="http://schemas.microsoft.com/office/powerpoint/2010/main" val="4270936278"/>
+      </p:ext>
+    </p:extLst>
+  </p:cSld>
+  <p:clrMapOvr>
+    <a:masterClrMapping/>
+  </p:clrMapOvr>
+</p:sld>
+</file>
+
+<file path=ppt/slides/slide23.xml><?xml version="1.0" encoding="utf-8"?>
+<p:sld xmlns:a="http://schemas.openxmlformats.org/drawingml/2006/main" xmlns:r="http://schemas.openxmlformats.org/officeDocument/2006/relationships" xmlns:p="http://schemas.openxmlformats.org/presentationml/2006/main">
+  <p:cSld>
+    <p:spTree>
+      <p:nvGrpSpPr>
+        <p:cNvPr id="1" name=""/>
+        <p:cNvGrpSpPr/>
+        <p:nvPr/>
+      </p:nvGrpSpPr>
+      <p:grpSpPr>
+        <a:xfrm>
+          <a:off x="0" y="0"/>
+          <a:ext cx="0" cy="0"/>
+          <a:chOff x="0" y="0"/>
+          <a:chExt cx="0" cy="0"/>
+        </a:xfrm>
+      </p:grpSpPr>
+      <p:sp>
+        <p:nvSpPr>
+          <p:cNvPr id="2" name="Title 1"/>
+          <p:cNvSpPr>
+            <a:spLocks noGrp="1"/>
+          </p:cNvSpPr>
+          <p:nvPr>
+            <p:ph type="title"/>
+          </p:nvPr>
+        </p:nvSpPr>
+        <p:spPr/>
+        <p:txBody>
+          <a:bodyPr/>
+          <a:lstStyle/>
+          <a:p>
+            <a:r>
+              <a:rPr lang="en-US" dirty="0" smtClean="0"/>
+              <a:t>Post method </a:t>
+            </a:r>
+            <a:endParaRPr lang="en-US" dirty="0"/>
+          </a:p>
+        </p:txBody>
+      </p:sp>
+      <p:sp>
+        <p:nvSpPr>
+          <p:cNvPr id="3" name="Content Placeholder 2"/>
+          <p:cNvSpPr>
+            <a:spLocks noGrp="1"/>
+          </p:cNvSpPr>
+          <p:nvPr>
+            <p:ph idx="1"/>
+          </p:nvPr>
+        </p:nvSpPr>
+        <p:spPr>
+          <a:xfrm>
+            <a:off x="838200" y="1825625"/>
+            <a:ext cx="10515600" cy="1702666"/>
+          </a:xfrm>
+        </p:spPr>
+        <p:txBody>
+          <a:bodyPr/>
+          <a:lstStyle/>
+          <a:p>
+            <a:r>
+              <a:rPr lang="en-US" dirty="0" smtClean="0"/>
+              <a:t>curl –X POST –H “</a:t>
+            </a:r>
+            <a:r>
+              <a:rPr lang="en-US" dirty="0" err="1" smtClean="0"/>
+              <a:t>content-type:application</a:t>
+            </a:r>
+            <a:r>
+              <a:rPr lang="en-US" dirty="0" smtClean="0"/>
+              <a:t>/</a:t>
+            </a:r>
+            <a:r>
+              <a:rPr lang="en-US" dirty="0" err="1" smtClean="0"/>
+              <a:t>json</a:t>
+            </a:r>
+            <a:r>
+              <a:rPr lang="en-US" dirty="0" smtClean="0"/>
+              <a:t>” –d ‘{“cid”:100,”cname”:”Ravi”,”age”:21}’ </a:t>
+            </a:r>
+            <a:r>
+              <a:rPr lang="en-US" dirty="0" smtClean="0">
+                <a:hlinkClick r:id="rId2"/>
+              </a:rPr>
+              <a:t>http://localhost:3000/storeCustomerInfo</a:t>
+            </a:r>
+            <a:r>
+              <a:rPr lang="en-US" dirty="0" smtClean="0"/>
+              <a:t> </a:t>
+            </a:r>
+          </a:p>
+          <a:p>
+            <a:endParaRPr lang="en-US" dirty="0"/>
+          </a:p>
+          <a:p>
+            <a:pPr marL="0" indent="0">
+              <a:buNone/>
+            </a:pPr>
+            <a:endParaRPr lang="en-US" dirty="0"/>
+          </a:p>
+        </p:txBody>
+      </p:sp>
+      <p:pic>
+        <p:nvPicPr>
+          <p:cNvPr id="5" name="Picture 4"/>
+          <p:cNvPicPr>
+            <a:picLocks noChangeAspect="1"/>
+          </p:cNvPicPr>
+          <p:nvPr/>
+        </p:nvPicPr>
+        <p:blipFill>
+          <a:blip r:embed="rId3"/>
+          <a:stretch>
+            <a:fillRect/>
+          </a:stretch>
+        </p:blipFill>
+        <p:spPr>
+          <a:xfrm>
+            <a:off x="0" y="4115479"/>
+            <a:ext cx="12192000" cy="1675041"/>
+          </a:xfrm>
+          <a:prstGeom prst="rect">
+            <a:avLst/>
+          </a:prstGeom>
+        </p:spPr>
+      </p:pic>
+    </p:spTree>
+    <p:extLst>
+      <p:ext uri="{BB962C8B-B14F-4D97-AF65-F5344CB8AC3E}">
+        <p14:creationId xmlns:p14="http://schemas.microsoft.com/office/powerpoint/2010/main" val="2140371834"/>
+      </p:ext>
+    </p:extLst>
+  </p:cSld>
+  <p:clrMapOvr>
+    <a:masterClrMapping/>
+  </p:clrMapOvr>
+</p:sld>
+</file>
+
+<file path=ppt/slides/slide24.xml><?xml version="1.0" encoding="utf-8"?>
+<p:sld xmlns:a="http://schemas.openxmlformats.org/drawingml/2006/main" xmlns:r="http://schemas.openxmlformats.org/officeDocument/2006/relationships" xmlns:p="http://schemas.openxmlformats.org/presentationml/2006/main">
+  <p:cSld>
+    <p:spTree>
+      <p:nvGrpSpPr>
+        <p:cNvPr id="1" name=""/>
+        <p:cNvGrpSpPr/>
+        <p:nvPr/>
+      </p:nvGrpSpPr>
+      <p:grpSpPr>
+        <a:xfrm>
+          <a:off x="0" y="0"/>
+          <a:ext cx="0" cy="0"/>
+          <a:chOff x="0" y="0"/>
+          <a:chExt cx="0" cy="0"/>
+        </a:xfrm>
+      </p:grpSpPr>
+      <p:sp>
+        <p:nvSpPr>
+          <p:cNvPr id="2" name="Title 1"/>
+          <p:cNvSpPr>
+            <a:spLocks noGrp="1"/>
+          </p:cNvSpPr>
+          <p:nvPr>
+            <p:ph type="title"/>
+          </p:nvPr>
+        </p:nvSpPr>
+        <p:spPr/>
+        <p:txBody>
+          <a:bodyPr/>
+          <a:lstStyle/>
+          <a:p>
+            <a:r>
+              <a:rPr lang="en-US" dirty="0" smtClean="0"/>
+              <a:t>Put method </a:t>
+            </a:r>
+            <a:endParaRPr lang="en-US" dirty="0"/>
+          </a:p>
+        </p:txBody>
+      </p:sp>
+      <p:sp>
+        <p:nvSpPr>
+          <p:cNvPr id="3" name="Content Placeholder 2"/>
+          <p:cNvSpPr>
+            <a:spLocks noGrp="1"/>
+          </p:cNvSpPr>
+          <p:nvPr>
+            <p:ph idx="1"/>
+          </p:nvPr>
+        </p:nvSpPr>
+        <p:spPr/>
+        <p:txBody>
+          <a:bodyPr/>
+          <a:lstStyle/>
+          <a:p>
+            <a:r>
+              <a:rPr lang="en-US" dirty="0"/>
+              <a:t>curl –X </a:t>
+            </a:r>
+            <a:r>
+              <a:rPr lang="en-US" dirty="0" smtClean="0"/>
+              <a:t>PUT </a:t>
+            </a:r>
+            <a:r>
+              <a:rPr lang="en-US" dirty="0"/>
+              <a:t>–H “</a:t>
+            </a:r>
+            <a:r>
+              <a:rPr lang="en-US" dirty="0" err="1"/>
+              <a:t>content-type:application</a:t>
+            </a:r>
+            <a:r>
+              <a:rPr lang="en-US" dirty="0"/>
+              <a:t>/</a:t>
+            </a:r>
+            <a:r>
+              <a:rPr lang="en-US" dirty="0" err="1"/>
+              <a:t>json</a:t>
+            </a:r>
+            <a:r>
+              <a:rPr lang="en-US" dirty="0"/>
+              <a:t>” –d ‘{“cid”:100,”cname”:”</a:t>
+            </a:r>
+            <a:r>
+              <a:rPr lang="en-US" dirty="0" smtClean="0"/>
+              <a:t>Ravi Kumar”,”</a:t>
+            </a:r>
+            <a:r>
+              <a:rPr lang="en-US" dirty="0"/>
+              <a:t>age”:</a:t>
+            </a:r>
+            <a:r>
+              <a:rPr lang="en-US" dirty="0" smtClean="0"/>
+              <a:t>26}’ </a:t>
+            </a:r>
+            <a:r>
+              <a:rPr lang="en-US" dirty="0">
+                <a:hlinkClick r:id="rId2"/>
+              </a:rPr>
+              <a:t>http://localhost:3000/storeCustomerInfo</a:t>
+            </a:r>
+            <a:r>
+              <a:rPr lang="en-US" dirty="0"/>
+              <a:t> </a:t>
+            </a:r>
+            <a:endParaRPr lang="en-US" dirty="0" smtClean="0"/>
+          </a:p>
+          <a:p>
+            <a:endParaRPr lang="en-US" dirty="0"/>
+          </a:p>
+          <a:p>
+            <a:endParaRPr lang="en-US" dirty="0"/>
+          </a:p>
+        </p:txBody>
+      </p:sp>
+      <p:pic>
+        <p:nvPicPr>
+          <p:cNvPr id="5" name="Picture 4"/>
+          <p:cNvPicPr>
+            <a:picLocks noChangeAspect="1"/>
+          </p:cNvPicPr>
+          <p:nvPr/>
+        </p:nvPicPr>
+        <p:blipFill>
+          <a:blip r:embed="rId3"/>
+          <a:stretch>
+            <a:fillRect/>
+          </a:stretch>
+        </p:blipFill>
+        <p:spPr>
+          <a:xfrm>
+            <a:off x="0" y="4371342"/>
+            <a:ext cx="12192000" cy="1551243"/>
+          </a:xfrm>
+          <a:prstGeom prst="rect">
+            <a:avLst/>
+          </a:prstGeom>
+        </p:spPr>
+      </p:pic>
+    </p:spTree>
+    <p:extLst>
+      <p:ext uri="{BB962C8B-B14F-4D97-AF65-F5344CB8AC3E}">
+        <p14:creationId xmlns:p14="http://schemas.microsoft.com/office/powerpoint/2010/main" val="516390089"/>
+      </p:ext>
+    </p:extLst>
+  </p:cSld>
+  <p:clrMapOvr>
+    <a:masterClrMapping/>
+  </p:clrMapOvr>
+</p:sld>
+</file>
+
+<file path=ppt/slides/slide25.xml><?xml version="1.0" encoding="utf-8"?>
+<p:sld xmlns:a="http://schemas.openxmlformats.org/drawingml/2006/main" xmlns:r="http://schemas.openxmlformats.org/officeDocument/2006/relationships" xmlns:p="http://schemas.openxmlformats.org/presentationml/2006/main">
+  <p:cSld>
+    <p:spTree>
+      <p:nvGrpSpPr>
+        <p:cNvPr id="1" name=""/>
+        <p:cNvGrpSpPr/>
+        <p:nvPr/>
+      </p:nvGrpSpPr>
+      <p:grpSpPr>
+        <a:xfrm>
+          <a:off x="0" y="0"/>
+          <a:ext cx="0" cy="0"/>
+          <a:chOff x="0" y="0"/>
+          <a:chExt cx="0" cy="0"/>
+        </a:xfrm>
+      </p:grpSpPr>
+      <p:sp>
+        <p:nvSpPr>
+          <p:cNvPr id="2" name="Title 1"/>
+          <p:cNvSpPr>
+            <a:spLocks noGrp="1"/>
+          </p:cNvSpPr>
+          <p:nvPr>
+            <p:ph type="title"/>
+          </p:nvPr>
+        </p:nvSpPr>
+        <p:spPr/>
+        <p:txBody>
+          <a:bodyPr/>
+          <a:lstStyle/>
+          <a:p>
+            <a:r>
+              <a:rPr lang="en-US" dirty="0" smtClean="0"/>
+              <a:t>Delete method </a:t>
+            </a:r>
+            <a:endParaRPr lang="en-US" dirty="0"/>
+          </a:p>
+        </p:txBody>
+      </p:sp>
+      <p:sp>
+        <p:nvSpPr>
+          <p:cNvPr id="3" name="Content Placeholder 2"/>
+          <p:cNvSpPr>
+            <a:spLocks noGrp="1"/>
+          </p:cNvSpPr>
+          <p:nvPr>
+            <p:ph idx="1"/>
+          </p:nvPr>
+        </p:nvSpPr>
+        <p:spPr/>
+        <p:txBody>
+          <a:bodyPr/>
+          <a:lstStyle/>
+          <a:p>
+            <a:r>
+              <a:rPr lang="en-US" dirty="0"/>
+              <a:t>curl –X </a:t>
+            </a:r>
+            <a:r>
+              <a:rPr lang="en-US" dirty="0" smtClean="0"/>
+              <a:t>DELETE </a:t>
+            </a:r>
+            <a:r>
+              <a:rPr lang="en-US" dirty="0"/>
+              <a:t>–H “</a:t>
+            </a:r>
+            <a:r>
+              <a:rPr lang="en-US" dirty="0" err="1"/>
+              <a:t>content-type:application</a:t>
+            </a:r>
+            <a:r>
+              <a:rPr lang="en-US" dirty="0"/>
+              <a:t>/</a:t>
+            </a:r>
+            <a:r>
+              <a:rPr lang="en-US" dirty="0" err="1"/>
+              <a:t>json</a:t>
+            </a:r>
+            <a:r>
+              <a:rPr lang="en-US" dirty="0"/>
+              <a:t>” </a:t>
+            </a:r>
+            <a:r>
+              <a:rPr lang="en-US" dirty="0" smtClean="0"/>
+              <a:t> </a:t>
+            </a:r>
+            <a:r>
+              <a:rPr lang="en-US" dirty="0">
+                <a:hlinkClick r:id="rId2"/>
+              </a:rPr>
+              <a:t>http://</a:t>
+            </a:r>
+            <a:r>
+              <a:rPr lang="en-US" dirty="0" smtClean="0">
+                <a:hlinkClick r:id="rId2"/>
+              </a:rPr>
+              <a:t>localhost:3000/deleteCustomerInfo/100</a:t>
+            </a:r>
+            <a:endParaRPr lang="en-US" dirty="0" smtClean="0"/>
+          </a:p>
+          <a:p>
+            <a:endParaRPr lang="en-US" dirty="0"/>
+          </a:p>
+          <a:p>
+            <a:endParaRPr lang="en-US" dirty="0"/>
+          </a:p>
+        </p:txBody>
+      </p:sp>
+      <p:pic>
+        <p:nvPicPr>
+          <p:cNvPr id="4" name="Picture 3"/>
+          <p:cNvPicPr>
+            <a:picLocks noChangeAspect="1"/>
+          </p:cNvPicPr>
+          <p:nvPr/>
+        </p:nvPicPr>
+        <p:blipFill>
+          <a:blip r:embed="rId3"/>
+          <a:stretch>
+            <a:fillRect/>
+          </a:stretch>
+        </p:blipFill>
+        <p:spPr>
+          <a:xfrm>
+            <a:off x="0" y="4358976"/>
+            <a:ext cx="12192000" cy="1686810"/>
+          </a:xfrm>
+          <a:prstGeom prst="rect">
+            <a:avLst/>
+          </a:prstGeom>
+        </p:spPr>
+      </p:pic>
+    </p:spTree>
+    <p:extLst>
+      <p:ext uri="{BB962C8B-B14F-4D97-AF65-F5344CB8AC3E}">
+        <p14:creationId xmlns:p14="http://schemas.microsoft.com/office/powerpoint/2010/main" val="1543168432"/>
       </p:ext>
     </p:extLst>
   </p:cSld>
@@ -4489,7 +4797,19 @@
           <a:p>
             <a:r>
               <a:rPr lang="en-US" dirty="0" smtClean="0"/>
-              <a:t>Unit testing </a:t>
+              <a:t>Express </a:t>
+            </a:r>
+            <a:r>
+              <a:rPr lang="en-US" dirty="0" err="1" smtClean="0"/>
+              <a:t>js</a:t>
+            </a:r>
+            <a:r>
+              <a:rPr lang="en-US" dirty="0" smtClean="0"/>
+              <a:t> </a:t>
+            </a:r>
+            <a:r>
+              <a:rPr lang="en-US" dirty="0" smtClean="0"/>
+              <a:t> </a:t>
             </a:r>
             <a:endParaRPr lang="en-US" dirty="0"/>
           </a:p>
@@ -4511,30 +4831,54 @@
           <a:lstStyle/>
           <a:p>
             <a:r>
-              <a:rPr lang="en-US" dirty="0"/>
-              <a:t>Unit testing is </a:t>
-            </a:r>
-            <a:r>
-              <a:rPr lang="en-US" b="1" dirty="0"/>
-              <a:t>a software development process in which the smallest testable parts of an application, called </a:t>
-            </a:r>
-            <a:r>
-              <a:rPr lang="en-US" b="1" dirty="0" smtClean="0"/>
-              <a:t>units</a:t>
-            </a:r>
-          </a:p>
-          <a:p>
-            <a:r>
-              <a:rPr lang="en-US" b="1" dirty="0"/>
-              <a:t>Unit Testing</a:t>
-            </a:r>
-            <a:r>
-              <a:rPr lang="en-US" dirty="0"/>
-              <a:t> is a type of software testing where individual units or components of a software are tested.</a:t>
-            </a:r>
-          </a:p>
-        </p:txBody>
-      </p:sp>
+              <a:rPr lang="en-IN" dirty="0"/>
+              <a:t>Express is third party module so whenever we are creating application using express module we have to install this module. </a:t>
+            </a:r>
+            <a:endParaRPr lang="en-IN" dirty="0" smtClean="0"/>
+          </a:p>
+          <a:p>
+            <a:r>
+              <a:rPr lang="en-IN" dirty="0" err="1"/>
+              <a:t>npm</a:t>
+            </a:r>
+            <a:r>
+              <a:rPr lang="en-IN" dirty="0"/>
+              <a:t> install express </a:t>
+            </a:r>
+            <a:endParaRPr lang="en-IN" dirty="0" smtClean="0"/>
+          </a:p>
+          <a:p>
+            <a:endParaRPr lang="en-US" dirty="0"/>
+          </a:p>
+          <a:p>
+            <a:endParaRPr lang="en-US" dirty="0"/>
+          </a:p>
+        </p:txBody>
+      </p:sp>
+      <p:pic>
+        <p:nvPicPr>
+          <p:cNvPr id="4" name="Picture 3"/>
+          <p:cNvPicPr>
+            <a:picLocks noChangeAspect="1"/>
+          </p:cNvPicPr>
+          <p:nvPr/>
+        </p:nvPicPr>
+        <p:blipFill>
+          <a:blip r:embed="rId2"/>
+          <a:stretch>
+            <a:fillRect/>
+          </a:stretch>
+        </p:blipFill>
+        <p:spPr>
+          <a:xfrm>
+            <a:off x="1018082" y="3311595"/>
+            <a:ext cx="10562235" cy="2865368"/>
+          </a:xfrm>
+          <a:prstGeom prst="rect">
+            <a:avLst/>
+          </a:prstGeom>
+        </p:spPr>
+      </p:pic>
     </p:spTree>
     <p:extLst>
       <p:ext uri="{BB962C8B-B14F-4D97-AF65-F5344CB8AC3E}">
@@ -4582,74 +4926,42 @@
           <a:p>
             <a:r>
               <a:rPr lang="en-US" dirty="0" smtClean="0"/>
-              <a:t>Jasmine </a:t>
+              <a:t>Write simple express program </a:t>
             </a:r>
             <a:endParaRPr lang="en-US" dirty="0"/>
           </a:p>
         </p:txBody>
       </p:sp>
-      <p:sp>
-        <p:nvSpPr>
-          <p:cNvPr id="3" name="Content Placeholder 2"/>
-          <p:cNvSpPr>
-            <a:spLocks noGrp="1"/>
-          </p:cNvSpPr>
+      <p:pic>
+        <p:nvPicPr>
+          <p:cNvPr id="6" name="Content Placeholder 5"/>
+          <p:cNvPicPr>
+            <a:picLocks noGrp="1" noChangeAspect="1"/>
+          </p:cNvPicPr>
           <p:nvPr>
             <p:ph idx="1"/>
           </p:nvPr>
-        </p:nvSpPr>
-        <p:spPr/>
-        <p:txBody>
-          <a:bodyPr/>
-          <a:lstStyle/>
-          <a:p>
-            <a:r>
-              <a:rPr lang="en-US" dirty="0"/>
-              <a:t>Jasmine is </a:t>
-            </a:r>
-            <a:r>
-              <a:rPr lang="en-US" b="1" dirty="0"/>
-              <a:t>an open-source and most popular JavaScript library testing framework to test any kind of JavaScript application</a:t>
-            </a:r>
-            <a:r>
-              <a:rPr lang="en-US" dirty="0" smtClean="0"/>
-              <a:t>.</a:t>
-            </a:r>
-          </a:p>
-          <a:p>
-            <a:r>
-              <a:rPr lang="en-US" b="1" dirty="0"/>
-              <a:t>Jasmine</a:t>
-            </a:r>
-            <a:r>
-              <a:rPr lang="en-US" dirty="0"/>
-              <a:t> is a behavior-driven development framework for </a:t>
-            </a:r>
-            <a:r>
-              <a:rPr lang="en-US" b="1" dirty="0"/>
-              <a:t>testing</a:t>
-            </a:r>
-            <a:r>
-              <a:rPr lang="en-US" dirty="0"/>
-              <a:t> JavaScript </a:t>
-            </a:r>
-            <a:r>
-              <a:rPr lang="en-US" dirty="0" smtClean="0"/>
-              <a:t>code</a:t>
-            </a:r>
-          </a:p>
-          <a:p>
-            <a:r>
-              <a:rPr lang="en-US" dirty="0" smtClean="0"/>
-              <a:t>Jasmine provided test suite, test case and assertion to test plain JavaScript code or JavaScript library or framework. </a:t>
-            </a:r>
-          </a:p>
-        </p:txBody>
-      </p:sp>
+        </p:nvPicPr>
+        <p:blipFill>
+          <a:blip r:embed="rId2"/>
+          <a:stretch>
+            <a:fillRect/>
+          </a:stretch>
+        </p:blipFill>
+        <p:spPr>
+          <a:xfrm>
+            <a:off x="2110394" y="2141853"/>
+            <a:ext cx="7971211" cy="3718882"/>
+          </a:xfrm>
+          <a:prstGeom prst="rect">
+            <a:avLst/>
+          </a:prstGeom>
+        </p:spPr>
+      </p:pic>
     </p:spTree>
     <p:extLst>
       <p:ext uri="{BB962C8B-B14F-4D97-AF65-F5344CB8AC3E}">
-        <p14:creationId xmlns:p14="http://schemas.microsoft.com/office/powerpoint/2010/main" val="215044487"/>
+        <p14:creationId xmlns:p14="http://schemas.microsoft.com/office/powerpoint/2010/main" val="3836518573"/>
       </p:ext>
     </p:extLst>
   </p:cSld>
@@ -4693,65 +5005,66 @@
           <a:p>
             <a:r>
               <a:rPr lang="en-US" dirty="0" smtClean="0"/>
-              <a:t>Karma </a:t>
+              <a:t>Run this application using command as </a:t>
             </a:r>
             <a:endParaRPr lang="en-US" dirty="0"/>
           </a:p>
         </p:txBody>
       </p:sp>
-      <p:sp>
-        <p:nvSpPr>
-          <p:cNvPr id="3" name="Content Placeholder 2"/>
-          <p:cNvSpPr>
-            <a:spLocks noGrp="1"/>
-          </p:cNvSpPr>
+      <p:pic>
+        <p:nvPicPr>
+          <p:cNvPr id="4" name="Content Placeholder 3"/>
+          <p:cNvPicPr>
+            <a:picLocks noGrp="1" noChangeAspect="1"/>
+          </p:cNvPicPr>
           <p:nvPr>
             <p:ph idx="1"/>
           </p:nvPr>
-        </p:nvSpPr>
-        <p:spPr/>
-        <p:txBody>
-          <a:bodyPr/>
-          <a:lstStyle/>
-          <a:p>
-            <a:r>
-              <a:rPr lang="en-US" dirty="0" smtClean="0"/>
-              <a:t>Karma is test runner for testing framework. </a:t>
-            </a:r>
-          </a:p>
-          <a:p>
-            <a:r>
-              <a:rPr lang="en-US" dirty="0"/>
-              <a:t>Karma is essentially </a:t>
-            </a:r>
-            <a:r>
-              <a:rPr lang="en-US" b="1" dirty="0"/>
-              <a:t>a tool which spawns a web server that executes source code against test code for each of the browsers connected</a:t>
-            </a:r>
-            <a:r>
-              <a:rPr lang="en-US" dirty="0" smtClean="0"/>
-              <a:t>.</a:t>
-            </a:r>
-          </a:p>
-          <a:p>
-            <a:r>
-              <a:rPr lang="en-US" dirty="0"/>
-              <a:t>he results of each test against each browser are examined and displayed via the command line to the developer such that they can see which browsers and tests passed or failed</a:t>
-            </a:r>
-            <a:r>
-              <a:rPr lang="en-US" dirty="0" smtClean="0"/>
-              <a:t>.</a:t>
-            </a:r>
-          </a:p>
-          <a:p>
-            <a:endParaRPr lang="en-US" dirty="0"/>
-          </a:p>
-        </p:txBody>
-      </p:sp>
+        </p:nvPicPr>
+        <p:blipFill>
+          <a:blip r:embed="rId2"/>
+          <a:stretch>
+            <a:fillRect/>
+          </a:stretch>
+        </p:blipFill>
+        <p:spPr>
+          <a:xfrm>
+            <a:off x="1014904" y="1690688"/>
+            <a:ext cx="9312447" cy="922100"/>
+          </a:xfrm>
+          <a:prstGeom prst="rect">
+            <a:avLst/>
+          </a:prstGeom>
+        </p:spPr>
+      </p:pic>
+      <p:pic>
+        <p:nvPicPr>
+          <p:cNvPr id="5" name="Picture 4"/>
+          <p:cNvPicPr>
+            <a:picLocks noChangeAspect="1"/>
+          </p:cNvPicPr>
+          <p:nvPr/>
+        </p:nvPicPr>
+        <p:blipFill>
+          <a:blip r:embed="rId3"/>
+          <a:stretch>
+            <a:fillRect/>
+          </a:stretch>
+        </p:blipFill>
+        <p:spPr>
+          <a:xfrm>
+            <a:off x="3225621" y="3214255"/>
+            <a:ext cx="5133288" cy="2263469"/>
+          </a:xfrm>
+          <a:prstGeom prst="rect">
+            <a:avLst/>
+          </a:prstGeom>
+        </p:spPr>
+      </p:pic>
     </p:spTree>
     <p:extLst>
       <p:ext uri="{BB962C8B-B14F-4D97-AF65-F5344CB8AC3E}">
-        <p14:creationId xmlns:p14="http://schemas.microsoft.com/office/powerpoint/2010/main" val="2502013587"/>
+        <p14:creationId xmlns:p14="http://schemas.microsoft.com/office/powerpoint/2010/main" val="2425494295"/>
       </p:ext>
     </p:extLst>
   </p:cSld>
@@ -4795,7 +5108,15 @@
           <a:p>
             <a:r>
               <a:rPr lang="en-US" dirty="0" smtClean="0"/>
-              <a:t>Testing plain JavaScript function </a:t>
+              <a:t>Creating static web page as well as login page and checking user details using express </a:t>
+            </a:r>
+            <a:r>
+              <a:rPr lang="en-US" dirty="0" err="1" smtClean="0"/>
+              <a:t>js</a:t>
+            </a:r>
+            <a:r>
+              <a:rPr lang="en-US" dirty="0" smtClean="0"/>
+              <a:t> </a:t>
             </a:r>
             <a:endParaRPr lang="en-US" dirty="0"/>
           </a:p>
@@ -4818,56 +5139,21 @@
           <a:p>
             <a:r>
               <a:rPr lang="en-US" dirty="0" smtClean="0"/>
-              <a:t>First we need to download jasmine configuration details. </a:t>
-            </a:r>
-          </a:p>
-          <a:p>
-            <a:r>
-              <a:rPr lang="en-US" dirty="0" smtClean="0"/>
-              <a:t>Jasmine official website provide sample jasmine configuration details which we can download from the below </a:t>
+              <a:t>First install </a:t>
             </a:r>
             <a:r>
               <a:rPr lang="en-US" dirty="0" err="1" smtClean="0"/>
-              <a:t>git</a:t>
-            </a:r>
-            <a:r>
-              <a:rPr lang="en-US" dirty="0" smtClean="0"/>
-              <a:t>. </a:t>
-            </a:r>
-          </a:p>
-          <a:p>
-            <a:r>
-              <a:rPr lang="en-US" dirty="0">
-                <a:hlinkClick r:id="rId2"/>
-              </a:rPr>
-              <a:t>https://</a:t>
-            </a:r>
-            <a:r>
-              <a:rPr lang="en-US" dirty="0" smtClean="0">
-                <a:hlinkClick r:id="rId2"/>
-              </a:rPr>
-              <a:t>github.com/jasmine/jasmine/releases</a:t>
-            </a:r>
-            <a:endParaRPr lang="en-US" dirty="0" smtClean="0"/>
-          </a:p>
-          <a:p>
-            <a:r>
-              <a:rPr lang="en-US" dirty="0" smtClean="0"/>
-              <a:t>Open downloaded sample project from </a:t>
-            </a:r>
-            <a:r>
-              <a:rPr lang="en-US" dirty="0" err="1" smtClean="0"/>
-              <a:t>git</a:t>
-            </a:r>
-            <a:r>
-              <a:rPr lang="en-US" dirty="0" smtClean="0"/>
-              <a:t>. </a:t>
-            </a:r>
-          </a:p>
-          <a:p>
-            <a:r>
-              <a:rPr lang="en-US" dirty="0" smtClean="0"/>
-              <a:t>Extract this project and write simple JavaScript function to test the code using jasmine. </a:t>
+              <a:t>npm</a:t>
+            </a:r>
+            <a:r>
+              <a:rPr lang="en-US" dirty="0" smtClean="0"/>
+              <a:t> install express </a:t>
+            </a:r>
+          </a:p>
+          <a:p>
+            <a:r>
+              <a:rPr lang="en-US" dirty="0" smtClean="0"/>
+              <a:t>Then create the app.js file </a:t>
             </a:r>
           </a:p>
           <a:p>
@@ -4878,7 +5164,7 @@
     </p:spTree>
     <p:extLst>
       <p:ext uri="{BB962C8B-B14F-4D97-AF65-F5344CB8AC3E}">
-        <p14:creationId xmlns:p14="http://schemas.microsoft.com/office/powerpoint/2010/main" val="3647326601"/>
+        <p14:creationId xmlns:p14="http://schemas.microsoft.com/office/powerpoint/2010/main" val="3995408996"/>
       </p:ext>
     </p:extLst>
   </p:cSld>
@@ -4905,38 +5191,13 @@
           <a:chExt cx="0" cy="0"/>
         </a:xfrm>
       </p:grpSpPr>
-      <p:sp>
-        <p:nvSpPr>
-          <p:cNvPr id="2" name="Title 1"/>
-          <p:cNvSpPr>
-            <a:spLocks noGrp="1"/>
-          </p:cNvSpPr>
-          <p:nvPr>
-            <p:ph type="title"/>
-          </p:nvPr>
-        </p:nvSpPr>
-        <p:spPr/>
-        <p:txBody>
-          <a:bodyPr/>
-          <a:lstStyle/>
-          <a:p>
-            <a:r>
-              <a:rPr lang="en-US" dirty="0" smtClean="0"/>
-              <a:t>Jasmine sample project structure </a:t>
-            </a:r>
-            <a:endParaRPr lang="en-US" dirty="0"/>
-          </a:p>
-        </p:txBody>
-      </p:sp>
       <p:pic>
         <p:nvPicPr>
-          <p:cNvPr id="4" name="Content Placeholder 3"/>
+          <p:cNvPr id="2" name="Picture 1"/>
           <p:cNvPicPr>
-            <a:picLocks noGrp="1" noChangeAspect="1"/>
+            <a:picLocks noChangeAspect="1"/>
           </p:cNvPicPr>
-          <p:nvPr>
-            <p:ph idx="1"/>
-          </p:nvPr>
+          <p:nvPr/>
         </p:nvPicPr>
         <p:blipFill>
           <a:blip r:embed="rId2"/>
@@ -4946,8 +5207,8 @@
         </p:blipFill>
         <p:spPr>
           <a:xfrm>
-            <a:off x="4222507" y="1825625"/>
-            <a:ext cx="3746985" cy="4351338"/>
+            <a:off x="0" y="-1"/>
+            <a:ext cx="12192000" cy="6779491"/>
           </a:xfrm>
           <a:prstGeom prst="rect">
             <a:avLst/>
@@ -4957,7 +5218,7 @@
     </p:spTree>
     <p:extLst>
       <p:ext uri="{BB962C8B-B14F-4D97-AF65-F5344CB8AC3E}">
-        <p14:creationId xmlns:p14="http://schemas.microsoft.com/office/powerpoint/2010/main" val="1835323793"/>
+        <p14:creationId xmlns:p14="http://schemas.microsoft.com/office/powerpoint/2010/main" val="1790609676"/>
       </p:ext>
     </p:extLst>
   </p:cSld>
@@ -4984,46 +5245,13 @@
           <a:chExt cx="0" cy="0"/>
         </a:xfrm>
       </p:grpSpPr>
-      <p:sp>
-        <p:nvSpPr>
-          <p:cNvPr id="2" name="Title 1"/>
-          <p:cNvSpPr>
-            <a:spLocks noGrp="1"/>
-          </p:cNvSpPr>
-          <p:nvPr>
-            <p:ph type="title"/>
-          </p:nvPr>
-        </p:nvSpPr>
-        <p:spPr/>
-        <p:txBody>
-          <a:bodyPr/>
-          <a:lstStyle/>
-          <a:p>
-            <a:r>
-              <a:rPr lang="en-US" dirty="0" smtClean="0"/>
-              <a:t>Now create sample </a:t>
-            </a:r>
-            <a:r>
-              <a:rPr lang="en-US" dirty="0" err="1" smtClean="0"/>
-              <a:t>js</a:t>
-            </a:r>
-            <a:r>
-              <a:rPr lang="en-US" dirty="0" smtClean="0"/>
-              <a:t> file with simple function </a:t>
-            </a:r>
-            <a:endParaRPr lang="en-US" dirty="0"/>
-          </a:p>
-        </p:txBody>
-      </p:sp>
       <p:pic>
         <p:nvPicPr>
-          <p:cNvPr id="6" name="Content Placeholder 5"/>
+          <p:cNvPr id="2" name="Picture 1"/>
           <p:cNvPicPr>
-            <a:picLocks noGrp="1" noChangeAspect="1"/>
+            <a:picLocks noChangeAspect="1"/>
           </p:cNvPicPr>
-          <p:nvPr>
-            <p:ph idx="1"/>
-          </p:nvPr>
+          <p:nvPr/>
         </p:nvPicPr>
         <p:blipFill>
           <a:blip r:embed="rId2"/>
@@ -5033,8 +5261,8 @@
         </p:blipFill>
         <p:spPr>
           <a:xfrm>
-            <a:off x="3182550" y="1825625"/>
-            <a:ext cx="5826899" cy="4351338"/>
+            <a:off x="1897016" y="700803"/>
+            <a:ext cx="8397968" cy="5456393"/>
           </a:xfrm>
           <a:prstGeom prst="rect">
             <a:avLst/>
@@ -5044,7 +5272,7 @@
     </p:spTree>
     <p:extLst>
       <p:ext uri="{BB962C8B-B14F-4D97-AF65-F5344CB8AC3E}">
-        <p14:creationId xmlns:p14="http://schemas.microsoft.com/office/powerpoint/2010/main" val="733112128"/>
+        <p14:creationId xmlns:p14="http://schemas.microsoft.com/office/powerpoint/2010/main" val="4088777013"/>
       </p:ext>
     </p:extLst>
   </p:cSld>
@@ -5071,38 +5299,13 @@
           <a:chExt cx="0" cy="0"/>
         </a:xfrm>
       </p:grpSpPr>
-      <p:sp>
-        <p:nvSpPr>
-          <p:cNvPr id="2" name="Title 1"/>
-          <p:cNvSpPr>
-            <a:spLocks noGrp="1"/>
-          </p:cNvSpPr>
-          <p:nvPr>
-            <p:ph type="title"/>
-          </p:nvPr>
-        </p:nvSpPr>
-        <p:spPr/>
-        <p:txBody>
-          <a:bodyPr/>
-          <a:lstStyle/>
-          <a:p>
-            <a:r>
-              <a:rPr lang="en-US" dirty="0" smtClean="0"/>
-              <a:t>Sample test case </a:t>
-            </a:r>
-            <a:endParaRPr lang="en-US" dirty="0"/>
-          </a:p>
-        </p:txBody>
-      </p:sp>
       <p:pic>
         <p:nvPicPr>
-          <p:cNvPr id="4" name="Content Placeholder 3"/>
+          <p:cNvPr id="2" name="Picture 1"/>
           <p:cNvPicPr>
-            <a:picLocks noGrp="1" noChangeAspect="1"/>
+            <a:picLocks noChangeAspect="1"/>
           </p:cNvPicPr>
-          <p:nvPr>
-            <p:ph idx="1"/>
-          </p:nvPr>
+          <p:nvPr/>
         </p:nvPicPr>
         <p:blipFill>
           <a:blip r:embed="rId2"/>
@@ -5112,8 +5315,8 @@
         </p:blipFill>
         <p:spPr>
           <a:xfrm>
-            <a:off x="2336774" y="1825625"/>
-            <a:ext cx="7518451" cy="4351338"/>
+            <a:off x="1885585" y="373115"/>
+            <a:ext cx="8420830" cy="6111770"/>
           </a:xfrm>
           <a:prstGeom prst="rect">
             <a:avLst/>
@@ -5123,7 +5326,7 @@
     </p:spTree>
     <p:extLst>
       <p:ext uri="{BB962C8B-B14F-4D97-AF65-F5344CB8AC3E}">
-        <p14:creationId xmlns:p14="http://schemas.microsoft.com/office/powerpoint/2010/main" val="2083326486"/>
+        <p14:creationId xmlns:p14="http://schemas.microsoft.com/office/powerpoint/2010/main" val="4117944748"/>
       </p:ext>
     </p:extLst>
   </p:cSld>
